--- a/PPT/IP2AS_survey.pptx
+++ b/PPT/IP2AS_survey.pptx
@@ -5,7 +5,7 @@
     <p:sldMasterId id="2147483648" r:id="rId1"/>
   </p:sldMasterIdLst>
   <p:notesMasterIdLst>
-    <p:notesMasterId r:id="rId16"/>
+    <p:notesMasterId r:id="rId22"/>
   </p:notesMasterIdLst>
   <p:sldIdLst>
     <p:sldId id="256" r:id="rId2"/>
@@ -16,12 +16,18 @@
     <p:sldId id="271" r:id="rId7"/>
     <p:sldId id="270" r:id="rId8"/>
     <p:sldId id="261" r:id="rId9"/>
-    <p:sldId id="262" r:id="rId10"/>
-    <p:sldId id="263" r:id="rId11"/>
-    <p:sldId id="266" r:id="rId12"/>
-    <p:sldId id="269" r:id="rId13"/>
-    <p:sldId id="267" r:id="rId14"/>
-    <p:sldId id="268" r:id="rId15"/>
+    <p:sldId id="272" r:id="rId10"/>
+    <p:sldId id="273" r:id="rId11"/>
+    <p:sldId id="274" r:id="rId12"/>
+    <p:sldId id="262" r:id="rId13"/>
+    <p:sldId id="275" r:id="rId14"/>
+    <p:sldId id="277" r:id="rId15"/>
+    <p:sldId id="276" r:id="rId16"/>
+    <p:sldId id="263" r:id="rId17"/>
+    <p:sldId id="266" r:id="rId18"/>
+    <p:sldId id="269" r:id="rId19"/>
+    <p:sldId id="267" r:id="rId20"/>
+    <p:sldId id="268" r:id="rId21"/>
   </p:sldIdLst>
   <p:sldSz cx="12192000" cy="6858000"/>
   <p:notesSz cx="6858000" cy="9144000"/>
@@ -210,7 +216,7 @@
           <a:p>
             <a:fld id="{399E9286-7D1C-4FFB-8D6C-1096303867FA}" type="datetimeFigureOut">
               <a:rPr lang="zh-CN" altLang="en-US" smtClean="0"/>
-              <a:t>2022-03-16</a:t>
+              <a:t>2022-03-18</a:t>
             </a:fld>
             <a:endParaRPr lang="zh-CN" altLang="en-US"/>
           </a:p>
@@ -542,7 +548,7 @@
           <a:p>
             <a:fld id="{43BD03E1-47C7-49DD-AD14-0B217F9FD2A8}" type="slidenum">
               <a:rPr lang="zh-CN" altLang="en-US" smtClean="0"/>
-              <a:t>12</a:t>
+              <a:t>18</a:t>
             </a:fld>
             <a:endParaRPr lang="zh-CN" altLang="en-US"/>
           </a:p>
@@ -708,7 +714,7 @@
           <a:p>
             <a:fld id="{3FA8E348-B847-4632-94CF-7A87FBFCEFF0}" type="datetimeFigureOut">
               <a:rPr lang="zh-CN" altLang="en-US" smtClean="0"/>
-              <a:t>2022-03-16</a:t>
+              <a:t>2022-03-18</a:t>
             </a:fld>
             <a:endParaRPr lang="zh-CN" altLang="en-US"/>
           </a:p>
@@ -906,7 +912,7 @@
           <a:p>
             <a:fld id="{3FA8E348-B847-4632-94CF-7A87FBFCEFF0}" type="datetimeFigureOut">
               <a:rPr lang="zh-CN" altLang="en-US" smtClean="0"/>
-              <a:t>2022-03-16</a:t>
+              <a:t>2022-03-18</a:t>
             </a:fld>
             <a:endParaRPr lang="zh-CN" altLang="en-US"/>
           </a:p>
@@ -1114,7 +1120,7 @@
           <a:p>
             <a:fld id="{3FA8E348-B847-4632-94CF-7A87FBFCEFF0}" type="datetimeFigureOut">
               <a:rPr lang="zh-CN" altLang="en-US" smtClean="0"/>
-              <a:t>2022-03-16</a:t>
+              <a:t>2022-03-18</a:t>
             </a:fld>
             <a:endParaRPr lang="zh-CN" altLang="en-US"/>
           </a:p>
@@ -1343,7 +1349,7 @@
           <a:p>
             <a:fld id="{3FA8E348-B847-4632-94CF-7A87FBFCEFF0}" type="datetimeFigureOut">
               <a:rPr lang="zh-CN" altLang="en-US" smtClean="0"/>
-              <a:t>2022-03-16</a:t>
+              <a:t>2022-03-18</a:t>
             </a:fld>
             <a:endParaRPr lang="zh-CN" altLang="en-US"/>
           </a:p>
@@ -1618,7 +1624,7 @@
           <a:p>
             <a:fld id="{3FA8E348-B847-4632-94CF-7A87FBFCEFF0}" type="datetimeFigureOut">
               <a:rPr lang="zh-CN" altLang="en-US" smtClean="0"/>
-              <a:t>2022-03-16</a:t>
+              <a:t>2022-03-18</a:t>
             </a:fld>
             <a:endParaRPr lang="zh-CN" altLang="en-US"/>
           </a:p>
@@ -1945,7 +1951,7 @@
           <a:p>
             <a:fld id="{3FA8E348-B847-4632-94CF-7A87FBFCEFF0}" type="datetimeFigureOut">
               <a:rPr lang="zh-CN" altLang="en-US" smtClean="0"/>
-              <a:t>2022-03-16</a:t>
+              <a:t>2022-03-18</a:t>
             </a:fld>
             <a:endParaRPr lang="zh-CN" altLang="en-US"/>
           </a:p>
@@ -2419,7 +2425,7 @@
           <a:p>
             <a:fld id="{3FA8E348-B847-4632-94CF-7A87FBFCEFF0}" type="datetimeFigureOut">
               <a:rPr lang="zh-CN" altLang="en-US" smtClean="0"/>
-              <a:t>2022-03-16</a:t>
+              <a:t>2022-03-18</a:t>
             </a:fld>
             <a:endParaRPr lang="zh-CN" altLang="en-US"/>
           </a:p>
@@ -2560,7 +2566,7 @@
           <a:p>
             <a:fld id="{3FA8E348-B847-4632-94CF-7A87FBFCEFF0}" type="datetimeFigureOut">
               <a:rPr lang="zh-CN" altLang="en-US" smtClean="0"/>
-              <a:t>2022-03-16</a:t>
+              <a:t>2022-03-18</a:t>
             </a:fld>
             <a:endParaRPr lang="zh-CN" altLang="en-US"/>
           </a:p>
@@ -2673,7 +2679,7 @@
           <a:p>
             <a:fld id="{3FA8E348-B847-4632-94CF-7A87FBFCEFF0}" type="datetimeFigureOut">
               <a:rPr lang="zh-CN" altLang="en-US" smtClean="0"/>
-              <a:t>2022-03-16</a:t>
+              <a:t>2022-03-18</a:t>
             </a:fld>
             <a:endParaRPr lang="zh-CN" altLang="en-US"/>
           </a:p>
@@ -2984,7 +2990,7 @@
           <a:p>
             <a:fld id="{3FA8E348-B847-4632-94CF-7A87FBFCEFF0}" type="datetimeFigureOut">
               <a:rPr lang="zh-CN" altLang="en-US" smtClean="0"/>
-              <a:t>2022-03-16</a:t>
+              <a:t>2022-03-18</a:t>
             </a:fld>
             <a:endParaRPr lang="zh-CN" altLang="en-US"/>
           </a:p>
@@ -3272,7 +3278,7 @@
           <a:p>
             <a:fld id="{3FA8E348-B847-4632-94CF-7A87FBFCEFF0}" type="datetimeFigureOut">
               <a:rPr lang="zh-CN" altLang="en-US" smtClean="0"/>
-              <a:t>2022-03-16</a:t>
+              <a:t>2022-03-18</a:t>
             </a:fld>
             <a:endParaRPr lang="zh-CN" altLang="en-US"/>
           </a:p>
@@ -4181,7 +4187,7 @@
           <a:p>
             <a:fld id="{3FA8E348-B847-4632-94CF-7A87FBFCEFF0}" type="datetimeFigureOut">
               <a:rPr lang="zh-CN" altLang="en-US" smtClean="0"/>
-              <a:t>2022-03-16</a:t>
+              <a:t>2022-03-18</a:t>
             </a:fld>
             <a:endParaRPr lang="zh-CN" altLang="en-US"/>
           </a:p>
@@ -4694,6 +4700,2076 @@
           <p:cNvPr id="2" name="标题 1">
             <a:extLst>
               <a:ext uri="{FF2B5EF4-FFF2-40B4-BE49-F238E27FC236}">
+                <a16:creationId xmlns:a16="http://schemas.microsoft.com/office/drawing/2014/main" id="{96E8F074-529B-4F02-9523-120839B02493}"/>
+              </a:ext>
+            </a:extLst>
+          </p:cNvPr>
+          <p:cNvSpPr>
+            <a:spLocks noGrp="1"/>
+          </p:cNvSpPr>
+          <p:nvPr>
+            <p:ph type="title"/>
+          </p:nvPr>
+        </p:nvSpPr>
+        <p:spPr/>
+        <p:txBody>
+          <a:bodyPr/>
+          <a:lstStyle/>
+          <a:p>
+            <a:r>
+              <a:rPr lang="en-US" altLang="zh-CN" dirty="0"/>
+              <a:t>Pair-matching-INFOCOM’04</a:t>
+            </a:r>
+            <a:endParaRPr lang="zh-CN" altLang="en-US" dirty="0"/>
+          </a:p>
+        </p:txBody>
+      </p:sp>
+      <p:pic>
+        <p:nvPicPr>
+          <p:cNvPr id="6" name="内容占位符 5">
+            <a:extLst>
+              <a:ext uri="{FF2B5EF4-FFF2-40B4-BE49-F238E27FC236}">
+                <a16:creationId xmlns:a16="http://schemas.microsoft.com/office/drawing/2014/main" id="{A90FB1A8-1434-48E4-85EB-BDFF1A7EEBE0}"/>
+              </a:ext>
+            </a:extLst>
+          </p:cNvPr>
+          <p:cNvPicPr>
+            <a:picLocks noGrp="1" noChangeAspect="1"/>
+          </p:cNvPicPr>
+          <p:nvPr>
+            <p:ph sz="half" idx="1"/>
+          </p:nvPr>
+        </p:nvPicPr>
+        <p:blipFill>
+          <a:blip r:embed="rId2"/>
+          <a:stretch>
+            <a:fillRect/>
+          </a:stretch>
+        </p:blipFill>
+        <p:spPr>
+          <a:xfrm>
+            <a:off x="1792703" y="1825625"/>
+            <a:ext cx="3272594" cy="4351338"/>
+          </a:xfrm>
+        </p:spPr>
+      </p:pic>
+      <p:sp>
+        <p:nvSpPr>
+          <p:cNvPr id="4" name="内容占位符 3">
+            <a:extLst>
+              <a:ext uri="{FF2B5EF4-FFF2-40B4-BE49-F238E27FC236}">
+                <a16:creationId xmlns:a16="http://schemas.microsoft.com/office/drawing/2014/main" id="{A17C3F6E-7F87-421C-BDBE-7CACAA1CCA6C}"/>
+              </a:ext>
+            </a:extLst>
+          </p:cNvPr>
+          <p:cNvSpPr>
+            <a:spLocks noGrp="1"/>
+          </p:cNvSpPr>
+          <p:nvPr>
+            <p:ph sz="half" idx="2"/>
+          </p:nvPr>
+        </p:nvSpPr>
+        <p:spPr/>
+        <p:txBody>
+          <a:bodyPr>
+            <a:normAutofit fontScale="92500" lnSpcReduction="20000"/>
+          </a:bodyPr>
+          <a:lstStyle/>
+          <a:p>
+            <a:pPr>
+              <a:lnSpc>
+                <a:spcPct val="120000"/>
+              </a:lnSpc>
+            </a:pPr>
+            <a:r>
+              <a:rPr lang="zh-CN" altLang="en-US" dirty="0"/>
+              <a:t>前面说的方法存在以下问题：</a:t>
+            </a:r>
+            <a:endParaRPr lang="en-US" altLang="zh-CN" dirty="0"/>
+          </a:p>
+          <a:p>
+            <a:pPr lvl="1">
+              <a:lnSpc>
+                <a:spcPct val="120000"/>
+              </a:lnSpc>
+            </a:pPr>
+            <a:r>
+              <a:rPr lang="zh-CN" altLang="en-US" dirty="0"/>
+              <a:t>启发式算法的构建有很多限制，需要大量的人力劳动</a:t>
+            </a:r>
+            <a:endParaRPr lang="en-US" altLang="zh-CN" dirty="0"/>
+          </a:p>
+          <a:p>
+            <a:pPr lvl="1">
+              <a:lnSpc>
+                <a:spcPct val="120000"/>
+              </a:lnSpc>
+            </a:pPr>
+            <a:r>
+              <a:rPr lang="zh-CN" altLang="en-US" dirty="0"/>
+              <a:t>启发式算法依赖的现实基础可能发生改变</a:t>
+            </a:r>
+            <a:endParaRPr lang="en-US" altLang="zh-CN" dirty="0"/>
+          </a:p>
+          <a:p>
+            <a:pPr lvl="1">
+              <a:lnSpc>
+                <a:spcPct val="120000"/>
+              </a:lnSpc>
+            </a:pPr>
+            <a:r>
+              <a:rPr lang="zh-CN" altLang="en-US" dirty="0"/>
+              <a:t>对不正确的</a:t>
+            </a:r>
+            <a:r>
+              <a:rPr lang="en-US" altLang="zh-CN" dirty="0"/>
+              <a:t>match</a:t>
+            </a:r>
+            <a:r>
+              <a:rPr lang="zh-CN" altLang="en-US" dirty="0"/>
+              <a:t>的纠正非常不严谨</a:t>
+            </a:r>
+            <a:endParaRPr lang="en-US" altLang="zh-CN" dirty="0"/>
+          </a:p>
+          <a:p>
+            <a:pPr>
+              <a:lnSpc>
+                <a:spcPct val="120000"/>
+              </a:lnSpc>
+            </a:pPr>
+            <a:r>
+              <a:rPr lang="en-US" altLang="zh-CN" dirty="0"/>
+              <a:t>Mao</a:t>
+            </a:r>
+            <a:r>
+              <a:rPr lang="zh-CN" altLang="en-US" dirty="0"/>
+              <a:t>对</a:t>
+            </a:r>
+            <a:r>
+              <a:rPr lang="en-US" altLang="zh-CN" dirty="0"/>
+              <a:t>SIGCOMM’03</a:t>
+            </a:r>
+            <a:r>
+              <a:rPr lang="zh-CN" altLang="en-US" dirty="0"/>
+              <a:t>的方法进行改进</a:t>
+            </a:r>
+            <a:endParaRPr lang="en-US" altLang="zh-CN" dirty="0"/>
+          </a:p>
+          <a:p>
+            <a:pPr lvl="1">
+              <a:lnSpc>
+                <a:spcPct val="120000"/>
+              </a:lnSpc>
+            </a:pPr>
+            <a:r>
+              <a:rPr lang="zh-CN" altLang="en-US" dirty="0"/>
+              <a:t>使用动态规划和迭代对之前的方法进行提升</a:t>
+            </a:r>
+          </a:p>
+        </p:txBody>
+      </p:sp>
+    </p:spTree>
+    <p:extLst>
+      <p:ext uri="{BB962C8B-B14F-4D97-AF65-F5344CB8AC3E}">
+        <p14:creationId xmlns:p14="http://schemas.microsoft.com/office/powerpoint/2010/main" val="941430123"/>
+      </p:ext>
+    </p:extLst>
+  </p:cSld>
+  <p:clrMapOvr>
+    <a:masterClrMapping/>
+  </p:clrMapOvr>
+</p:sld>
+</file>
+
+<file path=ppt/slides/slide11.xml><?xml version="1.0" encoding="utf-8"?>
+<p:sld xmlns:a="http://schemas.openxmlformats.org/drawingml/2006/main" xmlns:r="http://schemas.openxmlformats.org/officeDocument/2006/relationships" xmlns:p="http://schemas.openxmlformats.org/presentationml/2006/main">
+  <p:cSld>
+    <p:spTree>
+      <p:nvGrpSpPr>
+        <p:cNvPr id="1" name=""/>
+        <p:cNvGrpSpPr/>
+        <p:nvPr/>
+      </p:nvGrpSpPr>
+      <p:grpSpPr>
+        <a:xfrm>
+          <a:off x="0" y="0"/>
+          <a:ext cx="0" cy="0"/>
+          <a:chOff x="0" y="0"/>
+          <a:chExt cx="0" cy="0"/>
+        </a:xfrm>
+      </p:grpSpPr>
+      <p:sp>
+        <p:nvSpPr>
+          <p:cNvPr id="2" name="标题 1">
+            <a:extLst>
+              <a:ext uri="{FF2B5EF4-FFF2-40B4-BE49-F238E27FC236}">
+                <a16:creationId xmlns:a16="http://schemas.microsoft.com/office/drawing/2014/main" id="{E1E61B9E-5320-4DF1-BEB6-733FE0A4F195}"/>
+              </a:ext>
+            </a:extLst>
+          </p:cNvPr>
+          <p:cNvSpPr>
+            <a:spLocks noGrp="1"/>
+          </p:cNvSpPr>
+          <p:nvPr>
+            <p:ph type="title"/>
+          </p:nvPr>
+        </p:nvSpPr>
+        <p:spPr/>
+        <p:txBody>
+          <a:bodyPr/>
+          <a:lstStyle/>
+          <a:p>
+            <a:r>
+              <a:rPr lang="en-US" altLang="zh-CN" dirty="0"/>
+              <a:t>Pair-matching-JSAC’11</a:t>
+            </a:r>
+            <a:endParaRPr lang="zh-CN" altLang="en-US" dirty="0"/>
+          </a:p>
+        </p:txBody>
+      </p:sp>
+      <p:pic>
+        <p:nvPicPr>
+          <p:cNvPr id="6" name="内容占位符 5">
+            <a:extLst>
+              <a:ext uri="{FF2B5EF4-FFF2-40B4-BE49-F238E27FC236}">
+                <a16:creationId xmlns:a16="http://schemas.microsoft.com/office/drawing/2014/main" id="{9B25EA02-DD65-472B-B448-FDB1C4E78961}"/>
+              </a:ext>
+            </a:extLst>
+          </p:cNvPr>
+          <p:cNvPicPr>
+            <a:picLocks noGrp="1" noChangeAspect="1"/>
+          </p:cNvPicPr>
+          <p:nvPr>
+            <p:ph sz="half" idx="1"/>
+          </p:nvPr>
+        </p:nvPicPr>
+        <p:blipFill>
+          <a:blip r:embed="rId2"/>
+          <a:stretch>
+            <a:fillRect/>
+          </a:stretch>
+        </p:blipFill>
+        <p:spPr>
+          <a:xfrm>
+            <a:off x="838200" y="2337052"/>
+            <a:ext cx="5181600" cy="3328483"/>
+          </a:xfrm>
+        </p:spPr>
+      </p:pic>
+      <p:sp>
+        <p:nvSpPr>
+          <p:cNvPr id="4" name="内容占位符 3">
+            <a:extLst>
+              <a:ext uri="{FF2B5EF4-FFF2-40B4-BE49-F238E27FC236}">
+                <a16:creationId xmlns:a16="http://schemas.microsoft.com/office/drawing/2014/main" id="{E1C13B0E-CEEF-416C-93B0-52278B6A2F01}"/>
+              </a:ext>
+            </a:extLst>
+          </p:cNvPr>
+          <p:cNvSpPr>
+            <a:spLocks noGrp="1"/>
+          </p:cNvSpPr>
+          <p:nvPr>
+            <p:ph sz="half" idx="2"/>
+          </p:nvPr>
+        </p:nvSpPr>
+        <p:spPr/>
+        <p:txBody>
+          <a:bodyPr>
+            <a:normAutofit fontScale="92500" lnSpcReduction="20000"/>
+          </a:bodyPr>
+          <a:lstStyle/>
+          <a:p>
+            <a:r>
+              <a:rPr lang="en-US" altLang="zh-CN" dirty="0"/>
+              <a:t>Zhang</a:t>
+            </a:r>
+            <a:r>
+              <a:rPr lang="zh-CN" altLang="en-US" dirty="0"/>
+              <a:t>提出一种</a:t>
+            </a:r>
+            <a:r>
+              <a:rPr lang="en-US" altLang="zh-CN" dirty="0"/>
+              <a:t>pair-matching</a:t>
+            </a:r>
+            <a:r>
+              <a:rPr lang="zh-CN" altLang="en-US" dirty="0"/>
+              <a:t>的方法：</a:t>
+            </a:r>
+            <a:endParaRPr lang="en-US" altLang="zh-CN" dirty="0"/>
+          </a:p>
+          <a:p>
+            <a:pPr lvl="1"/>
+            <a:r>
+              <a:rPr lang="zh-CN" altLang="en-US" dirty="0"/>
+              <a:t>拓扑图构建：收集从同一个</a:t>
+            </a:r>
+            <a:r>
+              <a:rPr lang="en-US" altLang="zh-CN" dirty="0"/>
+              <a:t>AS</a:t>
+            </a:r>
+            <a:r>
+              <a:rPr lang="zh-CN" altLang="en-US" dirty="0"/>
+              <a:t>到同一个目的地的数百万对</a:t>
+            </a:r>
+            <a:r>
+              <a:rPr lang="en-US" altLang="zh-CN" dirty="0"/>
+              <a:t>traceroute</a:t>
+            </a:r>
+            <a:r>
+              <a:rPr lang="zh-CN" altLang="en-US" dirty="0"/>
+              <a:t>路径和</a:t>
+            </a:r>
+            <a:r>
+              <a:rPr lang="en-US" altLang="zh-CN" dirty="0"/>
+              <a:t>BGP</a:t>
+            </a:r>
+            <a:r>
+              <a:rPr lang="zh-CN" altLang="en-US" dirty="0"/>
+              <a:t>路径</a:t>
+            </a:r>
+          </a:p>
+          <a:p>
+            <a:pPr lvl="1"/>
+            <a:r>
+              <a:rPr lang="zh-CN" altLang="en-US" dirty="0"/>
+              <a:t>定位不匹配片段（核心工作）：定位不匹配的路径对中的不匹配的片段</a:t>
+            </a:r>
+          </a:p>
+          <a:p>
+            <a:pPr lvl="1"/>
+            <a:r>
+              <a:rPr lang="zh-CN" altLang="en-US" dirty="0"/>
+              <a:t>定位一对一</a:t>
+            </a:r>
+            <a:r>
+              <a:rPr lang="en-US" altLang="zh-CN" dirty="0"/>
+              <a:t>AS</a:t>
+            </a:r>
+            <a:r>
+              <a:rPr lang="zh-CN" altLang="en-US" dirty="0"/>
+              <a:t>替换：将每个不匹配的片段转换为多个一对一的</a:t>
+            </a:r>
+            <a:r>
+              <a:rPr lang="en-US" altLang="zh-CN" dirty="0"/>
+              <a:t>AS</a:t>
+            </a:r>
+            <a:r>
+              <a:rPr lang="zh-CN" altLang="en-US" dirty="0"/>
+              <a:t>替换</a:t>
+            </a:r>
+          </a:p>
+          <a:p>
+            <a:pPr lvl="1"/>
+            <a:r>
+              <a:rPr lang="zh-CN" altLang="en-US" dirty="0"/>
+              <a:t>虚假链路关联：将拓扑上的每个虚假链路与创建虚假链接的替代品相关联</a:t>
+            </a:r>
+            <a:endParaRPr lang="en-US" altLang="zh-CN" dirty="0"/>
+          </a:p>
+        </p:txBody>
+      </p:sp>
+    </p:spTree>
+    <p:extLst>
+      <p:ext uri="{BB962C8B-B14F-4D97-AF65-F5344CB8AC3E}">
+        <p14:creationId xmlns:p14="http://schemas.microsoft.com/office/powerpoint/2010/main" val="116194686"/>
+      </p:ext>
+    </p:extLst>
+  </p:cSld>
+  <p:clrMapOvr>
+    <a:masterClrMapping/>
+  </p:clrMapOvr>
+</p:sld>
+</file>
+
+<file path=ppt/slides/slide12.xml><?xml version="1.0" encoding="utf-8"?>
+<p:sld xmlns:a="http://schemas.openxmlformats.org/drawingml/2006/main" xmlns:r="http://schemas.openxmlformats.org/officeDocument/2006/relationships" xmlns:p="http://schemas.openxmlformats.org/presentationml/2006/main">
+  <p:cSld>
+    <p:spTree>
+      <p:nvGrpSpPr>
+        <p:cNvPr id="1" name=""/>
+        <p:cNvGrpSpPr/>
+        <p:nvPr/>
+      </p:nvGrpSpPr>
+      <p:grpSpPr>
+        <a:xfrm>
+          <a:off x="0" y="0"/>
+          <a:ext cx="0" cy="0"/>
+          <a:chOff x="0" y="0"/>
+          <a:chExt cx="0" cy="0"/>
+        </a:xfrm>
+      </p:grpSpPr>
+      <p:sp>
+        <p:nvSpPr>
+          <p:cNvPr id="2" name="标题 1">
+            <a:extLst>
+              <a:ext uri="{FF2B5EF4-FFF2-40B4-BE49-F238E27FC236}">
+                <a16:creationId xmlns:a16="http://schemas.microsoft.com/office/drawing/2014/main" id="{719F02FB-5DFB-4A61-8C08-E5B379D0D185}"/>
+              </a:ext>
+            </a:extLst>
+          </p:cNvPr>
+          <p:cNvSpPr>
+            <a:spLocks noGrp="1"/>
+          </p:cNvSpPr>
+          <p:nvPr>
+            <p:ph type="title"/>
+          </p:nvPr>
+        </p:nvSpPr>
+        <p:spPr/>
+        <p:txBody>
+          <a:bodyPr/>
+          <a:lstStyle/>
+          <a:p>
+            <a:r>
+              <a:rPr lang="en-US" altLang="zh-CN" dirty="0"/>
+              <a:t>IP2AS</a:t>
+            </a:r>
+            <a:r>
+              <a:rPr lang="zh-CN" altLang="en-US" dirty="0"/>
+              <a:t>的发展</a:t>
+            </a:r>
+            <a:r>
+              <a:rPr lang="en-US" altLang="zh-CN" dirty="0"/>
+              <a:t>-</a:t>
+            </a:r>
+            <a:r>
+              <a:rPr lang="zh-CN" altLang="en-US" dirty="0"/>
+              <a:t>边缘路由器推断</a:t>
+            </a:r>
+          </a:p>
+        </p:txBody>
+      </p:sp>
+      <p:sp>
+        <p:nvSpPr>
+          <p:cNvPr id="5" name="内容占位符 4">
+            <a:extLst>
+              <a:ext uri="{FF2B5EF4-FFF2-40B4-BE49-F238E27FC236}">
+                <a16:creationId xmlns:a16="http://schemas.microsoft.com/office/drawing/2014/main" id="{B6313C6E-BDF7-4688-B7CC-441760D5A762}"/>
+              </a:ext>
+            </a:extLst>
+          </p:cNvPr>
+          <p:cNvSpPr>
+            <a:spLocks noGrp="1"/>
+          </p:cNvSpPr>
+          <p:nvPr>
+            <p:ph sz="half" idx="2"/>
+          </p:nvPr>
+        </p:nvSpPr>
+        <p:spPr/>
+        <p:txBody>
+          <a:bodyPr>
+            <a:normAutofit fontScale="92500" lnSpcReduction="10000"/>
+          </a:bodyPr>
+          <a:lstStyle/>
+          <a:p>
+            <a:r>
+              <a:rPr lang="zh-CN" altLang="en-US" dirty="0"/>
+              <a:t>进一步的为了解决</a:t>
+            </a:r>
+            <a:r>
+              <a:rPr lang="en-US" altLang="zh-CN" dirty="0"/>
+              <a:t>IP2AS</a:t>
+            </a:r>
+            <a:r>
+              <a:rPr lang="zh-CN" altLang="en-US" dirty="0"/>
+              <a:t>的最难的推断点：边缘路由器推断，研究者提出了</a:t>
+            </a:r>
+            <a:r>
+              <a:rPr lang="en-US" altLang="zh-CN" dirty="0"/>
+              <a:t>IP-router-AS</a:t>
+            </a:r>
+            <a:r>
+              <a:rPr lang="zh-CN" altLang="en-US" dirty="0"/>
+              <a:t>的方法</a:t>
+            </a:r>
+            <a:endParaRPr lang="en-US" altLang="zh-CN" dirty="0"/>
+          </a:p>
+          <a:p>
+            <a:r>
+              <a:rPr lang="en-US" altLang="zh-CN" dirty="0"/>
+              <a:t>IP-router-AS</a:t>
+            </a:r>
+            <a:r>
+              <a:rPr lang="zh-CN" altLang="en-US" dirty="0"/>
+              <a:t>类的方法大致由以下步骤组成：</a:t>
+            </a:r>
+            <a:endParaRPr lang="en-US" altLang="zh-CN" dirty="0"/>
+          </a:p>
+          <a:p>
+            <a:pPr lvl="1"/>
+            <a:r>
+              <a:rPr lang="zh-CN" altLang="en-US" dirty="0"/>
+              <a:t>收集</a:t>
+            </a:r>
+            <a:r>
+              <a:rPr lang="en-US" altLang="zh-CN" dirty="0"/>
+              <a:t>Traceroute</a:t>
+            </a:r>
+            <a:r>
+              <a:rPr lang="zh-CN" altLang="en-US" dirty="0"/>
+              <a:t>数据，</a:t>
+            </a:r>
+            <a:r>
+              <a:rPr lang="zh-CN" altLang="en-US" b="1" dirty="0"/>
+              <a:t>构建网络拓扑图</a:t>
+            </a:r>
+            <a:r>
+              <a:rPr lang="zh-CN" altLang="en-US" dirty="0"/>
+              <a:t>（</a:t>
+            </a:r>
+            <a:r>
+              <a:rPr lang="en-US" altLang="zh-CN" dirty="0"/>
+              <a:t>IP</a:t>
+            </a:r>
+            <a:r>
+              <a:rPr lang="zh-CN" altLang="en-US" dirty="0"/>
+              <a:t>级别拓扑）</a:t>
+            </a:r>
+            <a:endParaRPr lang="en-US" altLang="zh-CN" dirty="0"/>
+          </a:p>
+          <a:p>
+            <a:pPr lvl="1"/>
+            <a:r>
+              <a:rPr lang="zh-CN" altLang="en-US" dirty="0"/>
+              <a:t>别名解析，</a:t>
+            </a:r>
+            <a:r>
+              <a:rPr lang="zh-CN" altLang="en-US" b="1" dirty="0"/>
+              <a:t>将</a:t>
+            </a:r>
+            <a:r>
+              <a:rPr lang="en-US" altLang="zh-CN" b="1" dirty="0"/>
+              <a:t>IP</a:t>
+            </a:r>
+            <a:r>
+              <a:rPr lang="zh-CN" altLang="en-US" b="1" dirty="0"/>
+              <a:t>级别的拓扑图转化为路由器级别</a:t>
+            </a:r>
+            <a:r>
+              <a:rPr lang="zh-CN" altLang="en-US" dirty="0"/>
+              <a:t>（</a:t>
+            </a:r>
+            <a:r>
+              <a:rPr lang="en-US" altLang="zh-CN" dirty="0"/>
+              <a:t>IP-to-node</a:t>
+            </a:r>
+            <a:r>
+              <a:rPr lang="zh-CN" altLang="en-US" dirty="0"/>
+              <a:t>）</a:t>
+            </a:r>
+            <a:endParaRPr lang="en-US" altLang="zh-CN" dirty="0"/>
+          </a:p>
+          <a:p>
+            <a:pPr lvl="1"/>
+            <a:r>
+              <a:rPr lang="zh-CN" altLang="en-US" dirty="0"/>
+              <a:t>采用多</a:t>
+            </a:r>
+            <a:r>
+              <a:rPr lang="zh-CN" altLang="en-US" b="1" dirty="0"/>
+              <a:t>组启发式算法组合</a:t>
+            </a:r>
+            <a:r>
+              <a:rPr lang="zh-CN" altLang="en-US" dirty="0"/>
+              <a:t>的方法，推断边缘路由器的所属</a:t>
+            </a:r>
+            <a:r>
+              <a:rPr lang="en-US" altLang="zh-CN" dirty="0"/>
+              <a:t>AS</a:t>
+            </a:r>
+            <a:r>
+              <a:rPr lang="zh-CN" altLang="en-US" dirty="0"/>
+              <a:t>（</a:t>
+            </a:r>
+            <a:r>
+              <a:rPr lang="en-US" altLang="zh-CN" dirty="0"/>
+              <a:t>node-AS</a:t>
+            </a:r>
+            <a:r>
+              <a:rPr lang="zh-CN" altLang="en-US" dirty="0"/>
+              <a:t>）</a:t>
+            </a:r>
+          </a:p>
+        </p:txBody>
+      </p:sp>
+      <p:sp>
+        <p:nvSpPr>
+          <p:cNvPr id="6" name="矩形 5">
+            <a:extLst>
+              <a:ext uri="{FF2B5EF4-FFF2-40B4-BE49-F238E27FC236}">
+                <a16:creationId xmlns:a16="http://schemas.microsoft.com/office/drawing/2014/main" id="{D2833DCA-C2D6-4B5F-B3B6-FF81104F412F}"/>
+              </a:ext>
+            </a:extLst>
+          </p:cNvPr>
+          <p:cNvSpPr/>
+          <p:nvPr/>
+        </p:nvSpPr>
+        <p:spPr>
+          <a:xfrm>
+            <a:off x="1783006" y="3241867"/>
+            <a:ext cx="1080000" cy="720000"/>
+          </a:xfrm>
+          <a:prstGeom prst="rect">
+            <a:avLst/>
+          </a:prstGeom>
+          <a:ln w="19050">
+            <a:solidFill>
+              <a:schemeClr val="tx1"/>
+            </a:solidFill>
+          </a:ln>
+        </p:spPr>
+        <p:style>
+          <a:lnRef idx="2">
+            <a:schemeClr val="accent1">
+              <a:shade val="50000"/>
+            </a:schemeClr>
+          </a:lnRef>
+          <a:fillRef idx="1">
+            <a:schemeClr val="accent1"/>
+          </a:fillRef>
+          <a:effectRef idx="0">
+            <a:schemeClr val="accent1"/>
+          </a:effectRef>
+          <a:fontRef idx="minor">
+            <a:schemeClr val="lt1"/>
+          </a:fontRef>
+        </p:style>
+        <p:txBody>
+          <a:bodyPr rtlCol="0" anchor="ctr"/>
+          <a:lstStyle/>
+          <a:p>
+            <a:pPr algn="ctr"/>
+            <a:r>
+              <a:rPr lang="zh-CN" altLang="en-US" sz="1200" dirty="0"/>
+              <a:t>收集</a:t>
+            </a:r>
+            <a:r>
+              <a:rPr lang="en-US" altLang="zh-CN" sz="1200" dirty="0"/>
+              <a:t>traceroute</a:t>
+            </a:r>
+            <a:r>
+              <a:rPr lang="zh-CN" altLang="en-US" sz="1200" dirty="0"/>
+              <a:t>数据</a:t>
+            </a:r>
+          </a:p>
+        </p:txBody>
+      </p:sp>
+      <p:sp>
+        <p:nvSpPr>
+          <p:cNvPr id="7" name="矩形 6">
+            <a:extLst>
+              <a:ext uri="{FF2B5EF4-FFF2-40B4-BE49-F238E27FC236}">
+                <a16:creationId xmlns:a16="http://schemas.microsoft.com/office/drawing/2014/main" id="{BC384A95-3565-42E2-92AF-AC9A1B3F7356}"/>
+              </a:ext>
+            </a:extLst>
+          </p:cNvPr>
+          <p:cNvSpPr/>
+          <p:nvPr/>
+        </p:nvSpPr>
+        <p:spPr>
+          <a:xfrm>
+            <a:off x="1783006" y="2178026"/>
+            <a:ext cx="1080000" cy="720000"/>
+          </a:xfrm>
+          <a:prstGeom prst="rect">
+            <a:avLst/>
+          </a:prstGeom>
+          <a:ln w="19050">
+            <a:solidFill>
+              <a:schemeClr val="tx1"/>
+            </a:solidFill>
+          </a:ln>
+        </p:spPr>
+        <p:style>
+          <a:lnRef idx="2">
+            <a:schemeClr val="accent1">
+              <a:shade val="50000"/>
+            </a:schemeClr>
+          </a:lnRef>
+          <a:fillRef idx="1">
+            <a:schemeClr val="accent1"/>
+          </a:fillRef>
+          <a:effectRef idx="0">
+            <a:schemeClr val="accent1"/>
+          </a:effectRef>
+          <a:fontRef idx="minor">
+            <a:schemeClr val="lt1"/>
+          </a:fontRef>
+        </p:style>
+        <p:txBody>
+          <a:bodyPr rtlCol="0" anchor="ctr"/>
+          <a:lstStyle/>
+          <a:p>
+            <a:pPr algn="ctr"/>
+            <a:r>
+              <a:rPr lang="zh-CN" altLang="en-US" sz="1200" dirty="0"/>
+              <a:t>获取全部地址块</a:t>
+            </a:r>
+          </a:p>
+        </p:txBody>
+      </p:sp>
+      <p:sp>
+        <p:nvSpPr>
+          <p:cNvPr id="8" name="矩形 7">
+            <a:extLst>
+              <a:ext uri="{FF2B5EF4-FFF2-40B4-BE49-F238E27FC236}">
+                <a16:creationId xmlns:a16="http://schemas.microsoft.com/office/drawing/2014/main" id="{060586EA-5C00-400C-A6B4-70F653264A68}"/>
+              </a:ext>
+            </a:extLst>
+          </p:cNvPr>
+          <p:cNvSpPr/>
+          <p:nvPr/>
+        </p:nvSpPr>
+        <p:spPr>
+          <a:xfrm>
+            <a:off x="1783006" y="4305708"/>
+            <a:ext cx="1080000" cy="720000"/>
+          </a:xfrm>
+          <a:prstGeom prst="rect">
+            <a:avLst/>
+          </a:prstGeom>
+          <a:ln w="19050">
+            <a:solidFill>
+              <a:schemeClr val="tx1"/>
+            </a:solidFill>
+          </a:ln>
+        </p:spPr>
+        <p:style>
+          <a:lnRef idx="2">
+            <a:schemeClr val="accent1">
+              <a:shade val="50000"/>
+            </a:schemeClr>
+          </a:lnRef>
+          <a:fillRef idx="1">
+            <a:schemeClr val="accent1"/>
+          </a:fillRef>
+          <a:effectRef idx="0">
+            <a:schemeClr val="accent1"/>
+          </a:effectRef>
+          <a:fontRef idx="minor">
+            <a:schemeClr val="lt1"/>
+          </a:fontRef>
+        </p:style>
+        <p:txBody>
+          <a:bodyPr rtlCol="0" anchor="ctr"/>
+          <a:lstStyle/>
+          <a:p>
+            <a:pPr algn="ctr"/>
+            <a:r>
+              <a:rPr lang="zh-CN" altLang="en-US" sz="1200" dirty="0"/>
+              <a:t>清洗</a:t>
+            </a:r>
+            <a:r>
+              <a:rPr lang="en-US" altLang="zh-CN" sz="1200" dirty="0"/>
+              <a:t>traceroute</a:t>
+            </a:r>
+            <a:r>
+              <a:rPr lang="zh-CN" altLang="en-US" sz="1200" dirty="0"/>
+              <a:t>数据</a:t>
+            </a:r>
+          </a:p>
+        </p:txBody>
+      </p:sp>
+      <p:sp>
+        <p:nvSpPr>
+          <p:cNvPr id="9" name="矩形 8">
+            <a:extLst>
+              <a:ext uri="{FF2B5EF4-FFF2-40B4-BE49-F238E27FC236}">
+                <a16:creationId xmlns:a16="http://schemas.microsoft.com/office/drawing/2014/main" id="{F04A079D-1EF1-4C45-BEA9-1318503D8891}"/>
+              </a:ext>
+            </a:extLst>
+          </p:cNvPr>
+          <p:cNvSpPr/>
+          <p:nvPr/>
+        </p:nvSpPr>
+        <p:spPr>
+          <a:xfrm>
+            <a:off x="3684307" y="2178026"/>
+            <a:ext cx="1080000" cy="720000"/>
+          </a:xfrm>
+          <a:prstGeom prst="rect">
+            <a:avLst/>
+          </a:prstGeom>
+          <a:solidFill>
+            <a:schemeClr val="accent2"/>
+          </a:solidFill>
+          <a:ln w="19050">
+            <a:solidFill>
+              <a:schemeClr val="tx1"/>
+            </a:solidFill>
+          </a:ln>
+        </p:spPr>
+        <p:style>
+          <a:lnRef idx="2">
+            <a:schemeClr val="accent1">
+              <a:shade val="50000"/>
+            </a:schemeClr>
+          </a:lnRef>
+          <a:fillRef idx="1">
+            <a:schemeClr val="accent1"/>
+          </a:fillRef>
+          <a:effectRef idx="0">
+            <a:schemeClr val="accent1"/>
+          </a:effectRef>
+          <a:fontRef idx="minor">
+            <a:schemeClr val="lt1"/>
+          </a:fontRef>
+        </p:style>
+        <p:txBody>
+          <a:bodyPr rtlCol="0" anchor="ctr"/>
+          <a:lstStyle/>
+          <a:p>
+            <a:pPr algn="ctr"/>
+            <a:r>
+              <a:rPr lang="zh-CN" altLang="en-US" sz="1200" dirty="0"/>
+              <a:t>别名解析</a:t>
+            </a:r>
+          </a:p>
+        </p:txBody>
+      </p:sp>
+      <p:sp>
+        <p:nvSpPr>
+          <p:cNvPr id="10" name="矩形 9">
+            <a:extLst>
+              <a:ext uri="{FF2B5EF4-FFF2-40B4-BE49-F238E27FC236}">
+                <a16:creationId xmlns:a16="http://schemas.microsoft.com/office/drawing/2014/main" id="{C36DBE1D-B0CE-4085-BCD7-18A7BBC560DB}"/>
+              </a:ext>
+            </a:extLst>
+          </p:cNvPr>
+          <p:cNvSpPr/>
+          <p:nvPr/>
+        </p:nvSpPr>
+        <p:spPr>
+          <a:xfrm>
+            <a:off x="3684306" y="3239221"/>
+            <a:ext cx="1080000" cy="720000"/>
+          </a:xfrm>
+          <a:prstGeom prst="rect">
+            <a:avLst/>
+          </a:prstGeom>
+          <a:solidFill>
+            <a:schemeClr val="accent2"/>
+          </a:solidFill>
+          <a:ln w="19050">
+            <a:solidFill>
+              <a:schemeClr val="tx1"/>
+            </a:solidFill>
+          </a:ln>
+        </p:spPr>
+        <p:style>
+          <a:lnRef idx="2">
+            <a:schemeClr val="accent1">
+              <a:shade val="50000"/>
+            </a:schemeClr>
+          </a:lnRef>
+          <a:fillRef idx="1">
+            <a:schemeClr val="accent1"/>
+          </a:fillRef>
+          <a:effectRef idx="0">
+            <a:schemeClr val="accent1"/>
+          </a:effectRef>
+          <a:fontRef idx="minor">
+            <a:schemeClr val="lt1"/>
+          </a:fontRef>
+        </p:style>
+        <p:txBody>
+          <a:bodyPr rtlCol="0" anchor="ctr"/>
+          <a:lstStyle/>
+          <a:p>
+            <a:pPr algn="ctr"/>
+            <a:r>
+              <a:rPr lang="zh-CN" altLang="en-US" sz="1200" dirty="0"/>
+              <a:t>构建路由器级拓扑图</a:t>
+            </a:r>
+          </a:p>
+        </p:txBody>
+      </p:sp>
+      <p:sp>
+        <p:nvSpPr>
+          <p:cNvPr id="11" name="矩形 10">
+            <a:extLst>
+              <a:ext uri="{FF2B5EF4-FFF2-40B4-BE49-F238E27FC236}">
+                <a16:creationId xmlns:a16="http://schemas.microsoft.com/office/drawing/2014/main" id="{B65E288D-AAE5-418A-8B0C-FAB4FC64DEB8}"/>
+              </a:ext>
+            </a:extLst>
+          </p:cNvPr>
+          <p:cNvSpPr/>
+          <p:nvPr/>
+        </p:nvSpPr>
+        <p:spPr>
+          <a:xfrm>
+            <a:off x="3684306" y="4300416"/>
+            <a:ext cx="1080000" cy="720000"/>
+          </a:xfrm>
+          <a:prstGeom prst="rect">
+            <a:avLst/>
+          </a:prstGeom>
+          <a:solidFill>
+            <a:schemeClr val="accent6"/>
+          </a:solidFill>
+          <a:ln w="19050">
+            <a:solidFill>
+              <a:schemeClr val="tx1"/>
+            </a:solidFill>
+          </a:ln>
+        </p:spPr>
+        <p:style>
+          <a:lnRef idx="2">
+            <a:schemeClr val="accent1">
+              <a:shade val="50000"/>
+            </a:schemeClr>
+          </a:lnRef>
+          <a:fillRef idx="1">
+            <a:schemeClr val="accent1"/>
+          </a:fillRef>
+          <a:effectRef idx="0">
+            <a:schemeClr val="accent1"/>
+          </a:effectRef>
+          <a:fontRef idx="minor">
+            <a:schemeClr val="lt1"/>
+          </a:fontRef>
+        </p:style>
+        <p:txBody>
+          <a:bodyPr rtlCol="0" anchor="ctr"/>
+          <a:lstStyle/>
+          <a:p>
+            <a:pPr algn="ctr"/>
+            <a:r>
+              <a:rPr lang="zh-CN" altLang="en-US" sz="1200" dirty="0"/>
+              <a:t>边缘路由器</a:t>
+            </a:r>
+            <a:r>
+              <a:rPr lang="en-US" altLang="zh-CN" sz="1200" dirty="0"/>
+              <a:t>AS</a:t>
+            </a:r>
+            <a:r>
+              <a:rPr lang="zh-CN" altLang="en-US" sz="1200" dirty="0"/>
+              <a:t>推断</a:t>
+            </a:r>
+          </a:p>
+        </p:txBody>
+      </p:sp>
+      <p:cxnSp>
+        <p:nvCxnSpPr>
+          <p:cNvPr id="13" name="直接箭头连接符 12">
+            <a:extLst>
+              <a:ext uri="{FF2B5EF4-FFF2-40B4-BE49-F238E27FC236}">
+                <a16:creationId xmlns:a16="http://schemas.microsoft.com/office/drawing/2014/main" id="{04FE0BCF-97D2-4B22-9F38-C2BD6BBA38FF}"/>
+              </a:ext>
+            </a:extLst>
+          </p:cNvPr>
+          <p:cNvCxnSpPr>
+            <a:stCxn id="7" idx="2"/>
+            <a:endCxn id="6" idx="0"/>
+          </p:cNvCxnSpPr>
+          <p:nvPr/>
+        </p:nvCxnSpPr>
+        <p:spPr>
+          <a:xfrm>
+            <a:off x="2323006" y="2898026"/>
+            <a:ext cx="0" cy="343841"/>
+          </a:xfrm>
+          <a:prstGeom prst="straightConnector1">
+            <a:avLst/>
+          </a:prstGeom>
+          <a:ln>
+            <a:tailEnd type="triangle"/>
+          </a:ln>
+        </p:spPr>
+        <p:style>
+          <a:lnRef idx="3">
+            <a:schemeClr val="dk1"/>
+          </a:lnRef>
+          <a:fillRef idx="0">
+            <a:schemeClr val="dk1"/>
+          </a:fillRef>
+          <a:effectRef idx="2">
+            <a:schemeClr val="dk1"/>
+          </a:effectRef>
+          <a:fontRef idx="minor">
+            <a:schemeClr val="tx1"/>
+          </a:fontRef>
+        </p:style>
+      </p:cxnSp>
+      <p:cxnSp>
+        <p:nvCxnSpPr>
+          <p:cNvPr id="14" name="直接箭头连接符 13">
+            <a:extLst>
+              <a:ext uri="{FF2B5EF4-FFF2-40B4-BE49-F238E27FC236}">
+                <a16:creationId xmlns:a16="http://schemas.microsoft.com/office/drawing/2014/main" id="{57E8F27C-B5B4-43F9-B5EC-595A34120E18}"/>
+              </a:ext>
+            </a:extLst>
+          </p:cNvPr>
+          <p:cNvCxnSpPr>
+            <a:cxnSpLocks/>
+            <a:stCxn id="6" idx="2"/>
+            <a:endCxn id="8" idx="0"/>
+          </p:cNvCxnSpPr>
+          <p:nvPr/>
+        </p:nvCxnSpPr>
+        <p:spPr>
+          <a:xfrm>
+            <a:off x="2323006" y="3961867"/>
+            <a:ext cx="0" cy="343841"/>
+          </a:xfrm>
+          <a:prstGeom prst="straightConnector1">
+            <a:avLst/>
+          </a:prstGeom>
+          <a:ln>
+            <a:tailEnd type="triangle"/>
+          </a:ln>
+        </p:spPr>
+        <p:style>
+          <a:lnRef idx="3">
+            <a:schemeClr val="dk1"/>
+          </a:lnRef>
+          <a:fillRef idx="0">
+            <a:schemeClr val="dk1"/>
+          </a:fillRef>
+          <a:effectRef idx="2">
+            <a:schemeClr val="dk1"/>
+          </a:effectRef>
+          <a:fontRef idx="minor">
+            <a:schemeClr val="tx1"/>
+          </a:fontRef>
+        </p:style>
+      </p:cxnSp>
+      <p:cxnSp>
+        <p:nvCxnSpPr>
+          <p:cNvPr id="17" name="直接箭头连接符 16">
+            <a:extLst>
+              <a:ext uri="{FF2B5EF4-FFF2-40B4-BE49-F238E27FC236}">
+                <a16:creationId xmlns:a16="http://schemas.microsoft.com/office/drawing/2014/main" id="{8478511B-AA44-4DE0-B605-55100C8CC0FC}"/>
+              </a:ext>
+            </a:extLst>
+          </p:cNvPr>
+          <p:cNvCxnSpPr>
+            <a:cxnSpLocks/>
+            <a:stCxn id="9" idx="2"/>
+            <a:endCxn id="10" idx="0"/>
+          </p:cNvCxnSpPr>
+          <p:nvPr/>
+        </p:nvCxnSpPr>
+        <p:spPr>
+          <a:xfrm flipH="1">
+            <a:off x="4224306" y="2898026"/>
+            <a:ext cx="1" cy="341195"/>
+          </a:xfrm>
+          <a:prstGeom prst="straightConnector1">
+            <a:avLst/>
+          </a:prstGeom>
+          <a:ln>
+            <a:tailEnd type="triangle"/>
+          </a:ln>
+        </p:spPr>
+        <p:style>
+          <a:lnRef idx="3">
+            <a:schemeClr val="dk1"/>
+          </a:lnRef>
+          <a:fillRef idx="0">
+            <a:schemeClr val="dk1"/>
+          </a:fillRef>
+          <a:effectRef idx="2">
+            <a:schemeClr val="dk1"/>
+          </a:effectRef>
+          <a:fontRef idx="minor">
+            <a:schemeClr val="tx1"/>
+          </a:fontRef>
+        </p:style>
+      </p:cxnSp>
+      <p:cxnSp>
+        <p:nvCxnSpPr>
+          <p:cNvPr id="20" name="直接箭头连接符 19">
+            <a:extLst>
+              <a:ext uri="{FF2B5EF4-FFF2-40B4-BE49-F238E27FC236}">
+                <a16:creationId xmlns:a16="http://schemas.microsoft.com/office/drawing/2014/main" id="{BC437E3D-CD0A-4345-B883-173AF4A49B6A}"/>
+              </a:ext>
+            </a:extLst>
+          </p:cNvPr>
+          <p:cNvCxnSpPr>
+            <a:cxnSpLocks/>
+            <a:stCxn id="10" idx="2"/>
+            <a:endCxn id="11" idx="0"/>
+          </p:cNvCxnSpPr>
+          <p:nvPr/>
+        </p:nvCxnSpPr>
+        <p:spPr>
+          <a:xfrm>
+            <a:off x="4224306" y="3959221"/>
+            <a:ext cx="0" cy="341195"/>
+          </a:xfrm>
+          <a:prstGeom prst="straightConnector1">
+            <a:avLst/>
+          </a:prstGeom>
+          <a:ln>
+            <a:tailEnd type="triangle"/>
+          </a:ln>
+        </p:spPr>
+        <p:style>
+          <a:lnRef idx="3">
+            <a:schemeClr val="dk1"/>
+          </a:lnRef>
+          <a:fillRef idx="0">
+            <a:schemeClr val="dk1"/>
+          </a:fillRef>
+          <a:effectRef idx="2">
+            <a:schemeClr val="dk1"/>
+          </a:effectRef>
+          <a:fontRef idx="minor">
+            <a:schemeClr val="tx1"/>
+          </a:fontRef>
+        </p:style>
+      </p:cxnSp>
+      <p:cxnSp>
+        <p:nvCxnSpPr>
+          <p:cNvPr id="25" name="连接符: 肘形 24">
+            <a:extLst>
+              <a:ext uri="{FF2B5EF4-FFF2-40B4-BE49-F238E27FC236}">
+                <a16:creationId xmlns:a16="http://schemas.microsoft.com/office/drawing/2014/main" id="{5746F904-D651-43BE-9224-5F5900867CBC}"/>
+              </a:ext>
+            </a:extLst>
+          </p:cNvPr>
+          <p:cNvCxnSpPr>
+            <a:cxnSpLocks/>
+            <a:stCxn id="8" idx="2"/>
+            <a:endCxn id="9" idx="0"/>
+          </p:cNvCxnSpPr>
+          <p:nvPr/>
+        </p:nvCxnSpPr>
+        <p:spPr>
+          <a:xfrm rot="5400000" flipH="1" flipV="1">
+            <a:off x="1849815" y="2651216"/>
+            <a:ext cx="2847682" cy="1901301"/>
+          </a:xfrm>
+          <a:prstGeom prst="bentConnector5">
+            <a:avLst>
+              <a:gd name="adj1" fmla="val -8028"/>
+              <a:gd name="adj2" fmla="val 50000"/>
+              <a:gd name="adj3" fmla="val 108028"/>
+            </a:avLst>
+          </a:prstGeom>
+          <a:ln>
+            <a:tailEnd type="triangle"/>
+          </a:ln>
+        </p:spPr>
+        <p:style>
+          <a:lnRef idx="3">
+            <a:schemeClr val="dk1"/>
+          </a:lnRef>
+          <a:fillRef idx="0">
+            <a:schemeClr val="dk1"/>
+          </a:fillRef>
+          <a:effectRef idx="2">
+            <a:schemeClr val="dk1"/>
+          </a:effectRef>
+          <a:fontRef idx="minor">
+            <a:schemeClr val="tx1"/>
+          </a:fontRef>
+        </p:style>
+      </p:cxnSp>
+      <p:cxnSp>
+        <p:nvCxnSpPr>
+          <p:cNvPr id="26" name="直接箭头连接符 25">
+            <a:extLst>
+              <a:ext uri="{FF2B5EF4-FFF2-40B4-BE49-F238E27FC236}">
+                <a16:creationId xmlns:a16="http://schemas.microsoft.com/office/drawing/2014/main" id="{F661FC1E-7471-476C-8653-27E0A9DBD57C}"/>
+              </a:ext>
+            </a:extLst>
+          </p:cNvPr>
+          <p:cNvCxnSpPr>
+            <a:cxnSpLocks/>
+            <a:stCxn id="28" idx="3"/>
+            <a:endCxn id="6" idx="1"/>
+          </p:cNvCxnSpPr>
+          <p:nvPr/>
+        </p:nvCxnSpPr>
+        <p:spPr>
+          <a:xfrm>
+            <a:off x="1432939" y="3601867"/>
+            <a:ext cx="350067" cy="0"/>
+          </a:xfrm>
+          <a:prstGeom prst="straightConnector1">
+            <a:avLst/>
+          </a:prstGeom>
+          <a:ln>
+            <a:solidFill>
+              <a:srgbClr val="FF0000"/>
+            </a:solidFill>
+            <a:prstDash val="dash"/>
+            <a:tailEnd type="triangle"/>
+          </a:ln>
+        </p:spPr>
+        <p:style>
+          <a:lnRef idx="3">
+            <a:schemeClr val="dk1"/>
+          </a:lnRef>
+          <a:fillRef idx="0">
+            <a:schemeClr val="dk1"/>
+          </a:fillRef>
+          <a:effectRef idx="2">
+            <a:schemeClr val="dk1"/>
+          </a:effectRef>
+          <a:fontRef idx="minor">
+            <a:schemeClr val="tx1"/>
+          </a:fontRef>
+        </p:style>
+      </p:cxnSp>
+      <p:sp>
+        <p:nvSpPr>
+          <p:cNvPr id="28" name="文本框 27">
+            <a:extLst>
+              <a:ext uri="{FF2B5EF4-FFF2-40B4-BE49-F238E27FC236}">
+                <a16:creationId xmlns:a16="http://schemas.microsoft.com/office/drawing/2014/main" id="{D23DA1EE-841D-4ADE-9D0E-A7FF27B08929}"/>
+              </a:ext>
+            </a:extLst>
+          </p:cNvPr>
+          <p:cNvSpPr txBox="1"/>
+          <p:nvPr/>
+        </p:nvSpPr>
+        <p:spPr>
+          <a:xfrm>
+            <a:off x="-96122" y="3186368"/>
+            <a:ext cx="1529061" cy="830997"/>
+          </a:xfrm>
+          <a:prstGeom prst="rect">
+            <a:avLst/>
+          </a:prstGeom>
+          <a:noFill/>
+        </p:spPr>
+        <p:txBody>
+          <a:bodyPr wrap="square">
+            <a:spAutoFit/>
+          </a:bodyPr>
+          <a:lstStyle/>
+          <a:p>
+            <a:pPr algn="ctr"/>
+            <a:r>
+              <a:rPr lang="en-US" altLang="zh-CN" sz="1200" dirty="0"/>
+              <a:t>Traceroute VP</a:t>
+            </a:r>
+            <a:r>
+              <a:rPr lang="zh-CN" altLang="en-US" sz="1200" dirty="0"/>
+              <a:t>数量有限，或者</a:t>
+            </a:r>
+            <a:r>
+              <a:rPr lang="en-US" altLang="zh-CN" sz="1200" dirty="0"/>
+              <a:t>VP</a:t>
+            </a:r>
+            <a:r>
+              <a:rPr lang="zh-CN" altLang="en-US" sz="1200" dirty="0"/>
+              <a:t>的位置对</a:t>
+            </a:r>
+            <a:r>
+              <a:rPr lang="en-US" altLang="zh-CN" sz="1200" dirty="0"/>
+              <a:t>traceroute</a:t>
+            </a:r>
+            <a:r>
+              <a:rPr lang="zh-CN" altLang="en-US" sz="1200" dirty="0"/>
+              <a:t>的数据收集造成了影响</a:t>
+            </a:r>
+          </a:p>
+        </p:txBody>
+      </p:sp>
+      <p:sp>
+        <p:nvSpPr>
+          <p:cNvPr id="33" name="文本框 32">
+            <a:extLst>
+              <a:ext uri="{FF2B5EF4-FFF2-40B4-BE49-F238E27FC236}">
+                <a16:creationId xmlns:a16="http://schemas.microsoft.com/office/drawing/2014/main" id="{68D7BE33-844C-4C1F-A8E4-CD31D79906D7}"/>
+              </a:ext>
+            </a:extLst>
+          </p:cNvPr>
+          <p:cNvSpPr txBox="1"/>
+          <p:nvPr/>
+        </p:nvSpPr>
+        <p:spPr>
+          <a:xfrm>
+            <a:off x="5204728" y="4429583"/>
+            <a:ext cx="1372339" cy="461665"/>
+          </a:xfrm>
+          <a:prstGeom prst="rect">
+            <a:avLst/>
+          </a:prstGeom>
+          <a:noFill/>
+        </p:spPr>
+        <p:txBody>
+          <a:bodyPr wrap="square">
+            <a:spAutoFit/>
+          </a:bodyPr>
+          <a:lstStyle/>
+          <a:p>
+            <a:pPr algn="ctr"/>
+            <a:r>
+              <a:rPr lang="zh-CN" altLang="en-US" sz="1200" dirty="0"/>
+              <a:t>推断启发式不严谨，经验性推断</a:t>
+            </a:r>
+          </a:p>
+        </p:txBody>
+      </p:sp>
+      <p:cxnSp>
+        <p:nvCxnSpPr>
+          <p:cNvPr id="35" name="直接箭头连接符 34">
+            <a:extLst>
+              <a:ext uri="{FF2B5EF4-FFF2-40B4-BE49-F238E27FC236}">
+                <a16:creationId xmlns:a16="http://schemas.microsoft.com/office/drawing/2014/main" id="{4CBB7A1C-A5B7-4A00-8A1C-7F4B7334AC0D}"/>
+              </a:ext>
+            </a:extLst>
+          </p:cNvPr>
+          <p:cNvCxnSpPr>
+            <a:cxnSpLocks/>
+            <a:stCxn id="33" idx="1"/>
+            <a:endCxn id="11" idx="3"/>
+          </p:cNvCxnSpPr>
+          <p:nvPr/>
+        </p:nvCxnSpPr>
+        <p:spPr>
+          <a:xfrm flipH="1">
+            <a:off x="4764306" y="4660416"/>
+            <a:ext cx="440422" cy="0"/>
+          </a:xfrm>
+          <a:prstGeom prst="straightConnector1">
+            <a:avLst/>
+          </a:prstGeom>
+          <a:ln>
+            <a:solidFill>
+              <a:srgbClr val="FF0000"/>
+            </a:solidFill>
+            <a:prstDash val="dash"/>
+            <a:tailEnd type="triangle"/>
+          </a:ln>
+        </p:spPr>
+        <p:style>
+          <a:lnRef idx="3">
+            <a:schemeClr val="dk1"/>
+          </a:lnRef>
+          <a:fillRef idx="0">
+            <a:schemeClr val="dk1"/>
+          </a:fillRef>
+          <a:effectRef idx="2">
+            <a:schemeClr val="dk1"/>
+          </a:effectRef>
+          <a:fontRef idx="minor">
+            <a:schemeClr val="tx1"/>
+          </a:fontRef>
+        </p:style>
+      </p:cxnSp>
+      <p:cxnSp>
+        <p:nvCxnSpPr>
+          <p:cNvPr id="38" name="直接箭头连接符 37">
+            <a:extLst>
+              <a:ext uri="{FF2B5EF4-FFF2-40B4-BE49-F238E27FC236}">
+                <a16:creationId xmlns:a16="http://schemas.microsoft.com/office/drawing/2014/main" id="{0556E677-6F0D-4BFF-924A-E7CBE7897431}"/>
+              </a:ext>
+            </a:extLst>
+          </p:cNvPr>
+          <p:cNvCxnSpPr>
+            <a:cxnSpLocks/>
+            <a:stCxn id="41" idx="1"/>
+            <a:endCxn id="9" idx="3"/>
+          </p:cNvCxnSpPr>
+          <p:nvPr/>
+        </p:nvCxnSpPr>
+        <p:spPr>
+          <a:xfrm flipH="1">
+            <a:off x="4764307" y="2538026"/>
+            <a:ext cx="281301" cy="0"/>
+          </a:xfrm>
+          <a:prstGeom prst="straightConnector1">
+            <a:avLst/>
+          </a:prstGeom>
+          <a:ln>
+            <a:solidFill>
+              <a:srgbClr val="FF0000"/>
+            </a:solidFill>
+            <a:prstDash val="dash"/>
+            <a:tailEnd type="triangle"/>
+          </a:ln>
+        </p:spPr>
+        <p:style>
+          <a:lnRef idx="3">
+            <a:schemeClr val="dk1"/>
+          </a:lnRef>
+          <a:fillRef idx="0">
+            <a:schemeClr val="dk1"/>
+          </a:fillRef>
+          <a:effectRef idx="2">
+            <a:schemeClr val="dk1"/>
+          </a:effectRef>
+          <a:fontRef idx="minor">
+            <a:schemeClr val="tx1"/>
+          </a:fontRef>
+        </p:style>
+      </p:cxnSp>
+      <p:sp>
+        <p:nvSpPr>
+          <p:cNvPr id="41" name="文本框 40">
+            <a:extLst>
+              <a:ext uri="{FF2B5EF4-FFF2-40B4-BE49-F238E27FC236}">
+                <a16:creationId xmlns:a16="http://schemas.microsoft.com/office/drawing/2014/main" id="{A64CAFCD-C061-424B-8FC6-E6EE49569F14}"/>
+              </a:ext>
+            </a:extLst>
+          </p:cNvPr>
+          <p:cNvSpPr txBox="1"/>
+          <p:nvPr/>
+        </p:nvSpPr>
+        <p:spPr>
+          <a:xfrm>
+            <a:off x="5045608" y="2399526"/>
+            <a:ext cx="1372339" cy="276999"/>
+          </a:xfrm>
+          <a:prstGeom prst="rect">
+            <a:avLst/>
+          </a:prstGeom>
+          <a:noFill/>
+        </p:spPr>
+        <p:txBody>
+          <a:bodyPr wrap="square">
+            <a:spAutoFit/>
+          </a:bodyPr>
+          <a:lstStyle/>
+          <a:p>
+            <a:pPr algn="ctr"/>
+            <a:r>
+              <a:rPr lang="zh-CN" altLang="en-US" sz="1200" dirty="0"/>
+              <a:t>别名解析错误</a:t>
+            </a:r>
+          </a:p>
+        </p:txBody>
+      </p:sp>
+    </p:spTree>
+    <p:extLst>
+      <p:ext uri="{BB962C8B-B14F-4D97-AF65-F5344CB8AC3E}">
+        <p14:creationId xmlns:p14="http://schemas.microsoft.com/office/powerpoint/2010/main" val="1106822605"/>
+      </p:ext>
+    </p:extLst>
+  </p:cSld>
+  <p:clrMapOvr>
+    <a:masterClrMapping/>
+  </p:clrMapOvr>
+</p:sld>
+</file>
+
+<file path=ppt/slides/slide13.xml><?xml version="1.0" encoding="utf-8"?>
+<p:sld xmlns:a="http://schemas.openxmlformats.org/drawingml/2006/main" xmlns:r="http://schemas.openxmlformats.org/officeDocument/2006/relationships" xmlns:p="http://schemas.openxmlformats.org/presentationml/2006/main">
+  <p:cSld>
+    <p:spTree>
+      <p:nvGrpSpPr>
+        <p:cNvPr id="1" name=""/>
+        <p:cNvGrpSpPr/>
+        <p:nvPr/>
+      </p:nvGrpSpPr>
+      <p:grpSpPr>
+        <a:xfrm>
+          <a:off x="0" y="0"/>
+          <a:ext cx="0" cy="0"/>
+          <a:chOff x="0" y="0"/>
+          <a:chExt cx="0" cy="0"/>
+        </a:xfrm>
+      </p:grpSpPr>
+      <p:sp>
+        <p:nvSpPr>
+          <p:cNvPr id="2" name="标题 1">
+            <a:extLst>
+              <a:ext uri="{FF2B5EF4-FFF2-40B4-BE49-F238E27FC236}">
+                <a16:creationId xmlns:a16="http://schemas.microsoft.com/office/drawing/2014/main" id="{2EAA9B6F-2CB0-4239-9595-4FA6A462D575}"/>
+              </a:ext>
+            </a:extLst>
+          </p:cNvPr>
+          <p:cNvSpPr>
+            <a:spLocks noGrp="1"/>
+          </p:cNvSpPr>
+          <p:nvPr>
+            <p:ph type="title"/>
+          </p:nvPr>
+        </p:nvSpPr>
+        <p:spPr/>
+        <p:txBody>
+          <a:bodyPr/>
+          <a:lstStyle/>
+          <a:p>
+            <a:r>
+              <a:rPr lang="zh-CN" altLang="en-US" dirty="0"/>
+              <a:t>边缘路由器推断</a:t>
+            </a:r>
+            <a:r>
+              <a:rPr lang="en-US" altLang="zh-CN" dirty="0"/>
+              <a:t>-</a:t>
+            </a:r>
+            <a:r>
+              <a:rPr lang="en-US" altLang="zh-CN" dirty="0" err="1"/>
+              <a:t>bdrmap</a:t>
+            </a:r>
+            <a:endParaRPr lang="zh-CN" altLang="en-US" dirty="0"/>
+          </a:p>
+        </p:txBody>
+      </p:sp>
+      <p:pic>
+        <p:nvPicPr>
+          <p:cNvPr id="6" name="内容占位符 5">
+            <a:extLst>
+              <a:ext uri="{FF2B5EF4-FFF2-40B4-BE49-F238E27FC236}">
+                <a16:creationId xmlns:a16="http://schemas.microsoft.com/office/drawing/2014/main" id="{BEAD3539-97BC-40C3-ADD7-17F171472024}"/>
+              </a:ext>
+            </a:extLst>
+          </p:cNvPr>
+          <p:cNvPicPr>
+            <a:picLocks noGrp="1" noChangeAspect="1"/>
+          </p:cNvPicPr>
+          <p:nvPr>
+            <p:ph sz="half" idx="1"/>
+          </p:nvPr>
+        </p:nvPicPr>
+        <p:blipFill>
+          <a:blip r:embed="rId2"/>
+          <a:stretch>
+            <a:fillRect/>
+          </a:stretch>
+        </p:blipFill>
+        <p:spPr>
+          <a:xfrm>
+            <a:off x="1197981" y="1825625"/>
+            <a:ext cx="4462037" cy="4351338"/>
+          </a:xfrm>
+        </p:spPr>
+      </p:pic>
+      <p:sp>
+        <p:nvSpPr>
+          <p:cNvPr id="4" name="内容占位符 3">
+            <a:extLst>
+              <a:ext uri="{FF2B5EF4-FFF2-40B4-BE49-F238E27FC236}">
+                <a16:creationId xmlns:a16="http://schemas.microsoft.com/office/drawing/2014/main" id="{DB5CFEE3-2876-423B-9FCF-B3564D7A43D9}"/>
+              </a:ext>
+            </a:extLst>
+          </p:cNvPr>
+          <p:cNvSpPr>
+            <a:spLocks noGrp="1"/>
+          </p:cNvSpPr>
+          <p:nvPr>
+            <p:ph sz="half" idx="2"/>
+          </p:nvPr>
+        </p:nvSpPr>
+        <p:spPr/>
+        <p:txBody>
+          <a:bodyPr>
+            <a:normAutofit fontScale="92500" lnSpcReduction="10000"/>
+          </a:bodyPr>
+          <a:lstStyle/>
+          <a:p>
+            <a:r>
+              <a:rPr lang="en-US" altLang="zh-CN" dirty="0" err="1"/>
+              <a:t>Bdrmap</a:t>
+            </a:r>
+            <a:r>
+              <a:rPr lang="en-US" altLang="zh-CN" dirty="0"/>
+              <a:t>:</a:t>
+            </a:r>
+          </a:p>
+          <a:p>
+            <a:pPr lvl="1"/>
+            <a:r>
+              <a:rPr lang="zh-CN" altLang="en-US" dirty="0"/>
+              <a:t>收集用于通知数据收集和分析的路由和寻址数据</a:t>
+            </a:r>
+          </a:p>
+          <a:p>
+            <a:pPr lvl="1"/>
+            <a:r>
+              <a:rPr lang="zh-CN" altLang="en-US" dirty="0"/>
+              <a:t>部署一个高效的 </a:t>
+            </a:r>
+            <a:r>
+              <a:rPr lang="en-US" altLang="zh-CN" dirty="0"/>
+              <a:t>traceroute</a:t>
+            </a:r>
+            <a:r>
+              <a:rPr lang="zh-CN" altLang="en-US" dirty="0"/>
+              <a:t>，以跟踪从每个 </a:t>
+            </a:r>
+            <a:r>
+              <a:rPr lang="en-US" altLang="zh-CN" dirty="0"/>
+              <a:t>VP </a:t>
+            </a:r>
+            <a:r>
+              <a:rPr lang="zh-CN" altLang="en-US" dirty="0"/>
+              <a:t>到全局 </a:t>
+            </a:r>
+            <a:r>
+              <a:rPr lang="en-US" altLang="zh-CN" dirty="0"/>
+              <a:t>BGP </a:t>
+            </a:r>
+            <a:r>
+              <a:rPr lang="zh-CN" altLang="en-US" dirty="0"/>
+              <a:t>路由系统中观察到的每个路由前缀的路径，应用别名解析技术来推断用于域间互连的路由器和点对点链路，构建整个网络初步的拓扑结构</a:t>
+            </a:r>
+          </a:p>
+          <a:p>
+            <a:pPr lvl="1"/>
+            <a:r>
+              <a:rPr lang="zh-CN" altLang="en-US" dirty="0"/>
+              <a:t>使用收集到的数据来组合约束，使用</a:t>
+            </a:r>
+            <a:r>
+              <a:rPr lang="zh-CN" altLang="en-US" b="1" dirty="0"/>
+              <a:t>多重启发式算法</a:t>
+            </a:r>
+            <a:r>
+              <a:rPr lang="zh-CN" altLang="en-US" dirty="0"/>
+              <a:t>以推断路由器所有权</a:t>
+            </a:r>
+          </a:p>
+        </p:txBody>
+      </p:sp>
+    </p:spTree>
+    <p:extLst>
+      <p:ext uri="{BB962C8B-B14F-4D97-AF65-F5344CB8AC3E}">
+        <p14:creationId xmlns:p14="http://schemas.microsoft.com/office/powerpoint/2010/main" val="2683816203"/>
+      </p:ext>
+    </p:extLst>
+  </p:cSld>
+  <p:clrMapOvr>
+    <a:masterClrMapping/>
+  </p:clrMapOvr>
+</p:sld>
+</file>
+
+<file path=ppt/slides/slide14.xml><?xml version="1.0" encoding="utf-8"?>
+<p:sld xmlns:a="http://schemas.openxmlformats.org/drawingml/2006/main" xmlns:r="http://schemas.openxmlformats.org/officeDocument/2006/relationships" xmlns:p="http://schemas.openxmlformats.org/presentationml/2006/main">
+  <p:cSld>
+    <p:spTree>
+      <p:nvGrpSpPr>
+        <p:cNvPr id="1" name=""/>
+        <p:cNvGrpSpPr/>
+        <p:nvPr/>
+      </p:nvGrpSpPr>
+      <p:grpSpPr>
+        <a:xfrm>
+          <a:off x="0" y="0"/>
+          <a:ext cx="0" cy="0"/>
+          <a:chOff x="0" y="0"/>
+          <a:chExt cx="0" cy="0"/>
+        </a:xfrm>
+      </p:grpSpPr>
+      <p:sp>
+        <p:nvSpPr>
+          <p:cNvPr id="2" name="标题 1">
+            <a:extLst>
+              <a:ext uri="{FF2B5EF4-FFF2-40B4-BE49-F238E27FC236}">
+                <a16:creationId xmlns:a16="http://schemas.microsoft.com/office/drawing/2014/main" id="{D0211330-4387-49C9-8A93-113722C002D2}"/>
+              </a:ext>
+            </a:extLst>
+          </p:cNvPr>
+          <p:cNvSpPr>
+            <a:spLocks noGrp="1"/>
+          </p:cNvSpPr>
+          <p:nvPr>
+            <p:ph type="title"/>
+          </p:nvPr>
+        </p:nvSpPr>
+        <p:spPr/>
+        <p:txBody>
+          <a:bodyPr/>
+          <a:lstStyle/>
+          <a:p>
+            <a:r>
+              <a:rPr lang="zh-CN" altLang="en-US" dirty="0"/>
+              <a:t>边缘路由器推断</a:t>
+            </a:r>
+            <a:r>
+              <a:rPr lang="en-US" altLang="zh-CN" dirty="0"/>
+              <a:t>-MAP-IT</a:t>
+            </a:r>
+            <a:endParaRPr lang="zh-CN" altLang="en-US" dirty="0"/>
+          </a:p>
+        </p:txBody>
+      </p:sp>
+      <p:pic>
+        <p:nvPicPr>
+          <p:cNvPr id="6" name="内容占位符 5">
+            <a:extLst>
+              <a:ext uri="{FF2B5EF4-FFF2-40B4-BE49-F238E27FC236}">
+                <a16:creationId xmlns:a16="http://schemas.microsoft.com/office/drawing/2014/main" id="{5A8AC1F9-E876-4C4A-A6EF-85ACB4CB87E4}"/>
+              </a:ext>
+            </a:extLst>
+          </p:cNvPr>
+          <p:cNvPicPr>
+            <a:picLocks noGrp="1" noChangeAspect="1"/>
+          </p:cNvPicPr>
+          <p:nvPr>
+            <p:ph sz="half" idx="1"/>
+          </p:nvPr>
+        </p:nvPicPr>
+        <p:blipFill>
+          <a:blip r:embed="rId2"/>
+          <a:stretch>
+            <a:fillRect/>
+          </a:stretch>
+        </p:blipFill>
+        <p:spPr>
+          <a:xfrm>
+            <a:off x="838200" y="3068049"/>
+            <a:ext cx="5181600" cy="1866490"/>
+          </a:xfrm>
+        </p:spPr>
+      </p:pic>
+      <p:sp>
+        <p:nvSpPr>
+          <p:cNvPr id="4" name="内容占位符 3">
+            <a:extLst>
+              <a:ext uri="{FF2B5EF4-FFF2-40B4-BE49-F238E27FC236}">
+                <a16:creationId xmlns:a16="http://schemas.microsoft.com/office/drawing/2014/main" id="{33993222-5431-42EC-B318-49D2CAFC84AD}"/>
+              </a:ext>
+            </a:extLst>
+          </p:cNvPr>
+          <p:cNvSpPr>
+            <a:spLocks noGrp="1"/>
+          </p:cNvSpPr>
+          <p:nvPr>
+            <p:ph sz="half" idx="2"/>
+          </p:nvPr>
+        </p:nvSpPr>
+        <p:spPr/>
+        <p:txBody>
+          <a:bodyPr>
+            <a:normAutofit fontScale="85000" lnSpcReduction="10000"/>
+          </a:bodyPr>
+          <a:lstStyle/>
+          <a:p>
+            <a:r>
+              <a:rPr lang="en-US" altLang="zh-CN" dirty="0"/>
+              <a:t>MAP-IT</a:t>
+            </a:r>
+            <a:r>
+              <a:rPr lang="zh-CN" altLang="en-US" dirty="0"/>
+              <a:t>的步骤：</a:t>
+            </a:r>
+            <a:endParaRPr lang="en-US" altLang="zh-CN" dirty="0"/>
+          </a:p>
+          <a:p>
+            <a:r>
+              <a:rPr lang="zh-CN" altLang="en-US" dirty="0"/>
+              <a:t>首先清洗了虚假或异常的</a:t>
+            </a:r>
+            <a:r>
+              <a:rPr lang="en-US" altLang="zh-CN" dirty="0"/>
+              <a:t>traceroute</a:t>
+            </a:r>
+            <a:r>
+              <a:rPr lang="zh-CN" altLang="en-US" dirty="0"/>
+              <a:t>结果（第 </a:t>
+            </a:r>
+            <a:r>
+              <a:rPr lang="en-US" altLang="zh-CN" dirty="0"/>
+              <a:t>1 </a:t>
+            </a:r>
+            <a:r>
+              <a:rPr lang="zh-CN" altLang="en-US" dirty="0"/>
+              <a:t>行）</a:t>
+            </a:r>
+            <a:endParaRPr lang="en-US" altLang="zh-CN" dirty="0"/>
+          </a:p>
+          <a:p>
+            <a:r>
+              <a:rPr lang="zh-CN" altLang="en-US" dirty="0"/>
+              <a:t>并使用剩余的经过清理的</a:t>
+            </a:r>
+            <a:r>
+              <a:rPr lang="en-US" altLang="zh-CN" dirty="0"/>
+              <a:t>traceroute</a:t>
+            </a:r>
+            <a:r>
+              <a:rPr lang="zh-CN" altLang="en-US" dirty="0"/>
+              <a:t>为每个接口创建 </a:t>
+            </a:r>
+            <a:r>
+              <a:rPr lang="en-US" altLang="zh-CN" dirty="0"/>
+              <a:t>NF </a:t>
+            </a:r>
+            <a:r>
+              <a:rPr lang="zh-CN" altLang="en-US" dirty="0"/>
+              <a:t>和 </a:t>
+            </a:r>
+            <a:r>
+              <a:rPr lang="en-US" altLang="zh-CN" dirty="0"/>
+              <a:t>NB</a:t>
+            </a:r>
+            <a:r>
+              <a:rPr lang="zh-CN" altLang="en-US" dirty="0"/>
+              <a:t> </a:t>
+            </a:r>
+            <a:endParaRPr lang="en-US" altLang="zh-CN" dirty="0"/>
+          </a:p>
+          <a:p>
+            <a:r>
+              <a:rPr lang="zh-CN" altLang="en-US" dirty="0"/>
+              <a:t>随后，进行尽可能多的推论，同时更新</a:t>
+            </a:r>
+            <a:r>
+              <a:rPr lang="en-US" altLang="zh-CN" dirty="0"/>
+              <a:t>IP2AS </a:t>
+            </a:r>
+            <a:r>
+              <a:rPr lang="zh-CN" altLang="en-US" dirty="0"/>
+              <a:t>映射； 修剪被证明的推论 并重复直到算法收敛</a:t>
+            </a:r>
+            <a:endParaRPr lang="en-US" altLang="zh-CN" dirty="0"/>
+          </a:p>
+          <a:p>
+            <a:r>
+              <a:rPr lang="zh-CN" altLang="en-US" dirty="0"/>
+              <a:t> 最后，采用启发式方法来推断涉及低可见性</a:t>
+            </a:r>
+            <a:r>
+              <a:rPr lang="en-US" altLang="zh-CN" dirty="0"/>
+              <a:t>stub</a:t>
+            </a:r>
+            <a:r>
+              <a:rPr lang="zh-CN" altLang="en-US" dirty="0"/>
+              <a:t> </a:t>
+            </a:r>
+            <a:r>
+              <a:rPr lang="en-US" altLang="zh-CN" dirty="0"/>
+              <a:t>AS </a:t>
+            </a:r>
+            <a:r>
+              <a:rPr lang="zh-CN" altLang="en-US" dirty="0"/>
+              <a:t>或采用 </a:t>
+            </a:r>
+            <a:r>
+              <a:rPr lang="en-US" altLang="zh-CN" dirty="0"/>
+              <a:t>NAT </a:t>
+            </a:r>
+            <a:r>
+              <a:rPr lang="zh-CN" altLang="en-US" dirty="0"/>
+              <a:t>的</a:t>
+            </a:r>
+            <a:r>
+              <a:rPr lang="en-US" altLang="zh-CN" dirty="0"/>
+              <a:t>stub</a:t>
+            </a:r>
+            <a:r>
+              <a:rPr lang="zh-CN" altLang="en-US" dirty="0"/>
+              <a:t> </a:t>
+            </a:r>
+            <a:r>
+              <a:rPr lang="en-US" altLang="zh-CN" dirty="0"/>
+              <a:t>AS </a:t>
+            </a:r>
+            <a:r>
+              <a:rPr lang="zh-CN" altLang="en-US"/>
+              <a:t>的链接</a:t>
+            </a:r>
+            <a:endParaRPr lang="zh-CN" altLang="en-US" dirty="0"/>
+          </a:p>
+        </p:txBody>
+      </p:sp>
+    </p:spTree>
+    <p:extLst>
+      <p:ext uri="{BB962C8B-B14F-4D97-AF65-F5344CB8AC3E}">
+        <p14:creationId xmlns:p14="http://schemas.microsoft.com/office/powerpoint/2010/main" val="229263699"/>
+      </p:ext>
+    </p:extLst>
+  </p:cSld>
+  <p:clrMapOvr>
+    <a:masterClrMapping/>
+  </p:clrMapOvr>
+</p:sld>
+</file>
+
+<file path=ppt/slides/slide15.xml><?xml version="1.0" encoding="utf-8"?>
+<p:sld xmlns:a="http://schemas.openxmlformats.org/drawingml/2006/main" xmlns:r="http://schemas.openxmlformats.org/officeDocument/2006/relationships" xmlns:p="http://schemas.openxmlformats.org/presentationml/2006/main">
+  <p:cSld>
+    <p:spTree>
+      <p:nvGrpSpPr>
+        <p:cNvPr id="1" name=""/>
+        <p:cNvGrpSpPr/>
+        <p:nvPr/>
+      </p:nvGrpSpPr>
+      <p:grpSpPr>
+        <a:xfrm>
+          <a:off x="0" y="0"/>
+          <a:ext cx="0" cy="0"/>
+          <a:chOff x="0" y="0"/>
+          <a:chExt cx="0" cy="0"/>
+        </a:xfrm>
+      </p:grpSpPr>
+      <p:sp>
+        <p:nvSpPr>
+          <p:cNvPr id="2" name="标题 1">
+            <a:extLst>
+              <a:ext uri="{FF2B5EF4-FFF2-40B4-BE49-F238E27FC236}">
+                <a16:creationId xmlns:a16="http://schemas.microsoft.com/office/drawing/2014/main" id="{7B94364D-48E5-418E-AD76-A4AEF29D6303}"/>
+              </a:ext>
+            </a:extLst>
+          </p:cNvPr>
+          <p:cNvSpPr>
+            <a:spLocks noGrp="1"/>
+          </p:cNvSpPr>
+          <p:nvPr>
+            <p:ph type="title"/>
+          </p:nvPr>
+        </p:nvSpPr>
+        <p:spPr/>
+        <p:txBody>
+          <a:bodyPr/>
+          <a:lstStyle/>
+          <a:p>
+            <a:r>
+              <a:rPr lang="zh-CN" altLang="en-US" dirty="0"/>
+              <a:t>边缘路由器推断</a:t>
+            </a:r>
+            <a:r>
+              <a:rPr lang="en-US" altLang="zh-CN" dirty="0"/>
+              <a:t>-</a:t>
+            </a:r>
+            <a:r>
+              <a:rPr lang="en-US" altLang="zh-CN" dirty="0" err="1"/>
+              <a:t>bdrmap</a:t>
+            </a:r>
+            <a:r>
+              <a:rPr lang="en-US" altLang="zh-CN" dirty="0"/>
+              <a:t>-IT</a:t>
+            </a:r>
+            <a:endParaRPr lang="zh-CN" altLang="en-US" dirty="0"/>
+          </a:p>
+        </p:txBody>
+      </p:sp>
+      <p:pic>
+        <p:nvPicPr>
+          <p:cNvPr id="6" name="内容占位符 5">
+            <a:extLst>
+              <a:ext uri="{FF2B5EF4-FFF2-40B4-BE49-F238E27FC236}">
+                <a16:creationId xmlns:a16="http://schemas.microsoft.com/office/drawing/2014/main" id="{ED6C33E7-D813-418B-9068-FB2F54D0E7A4}"/>
+              </a:ext>
+            </a:extLst>
+          </p:cNvPr>
+          <p:cNvPicPr>
+            <a:picLocks noGrp="1" noChangeAspect="1"/>
+          </p:cNvPicPr>
+          <p:nvPr>
+            <p:ph sz="half" idx="1"/>
+          </p:nvPr>
+        </p:nvPicPr>
+        <p:blipFill>
+          <a:blip r:embed="rId2"/>
+          <a:stretch>
+            <a:fillRect/>
+          </a:stretch>
+        </p:blipFill>
+        <p:spPr>
+          <a:xfrm>
+            <a:off x="1108025" y="1825625"/>
+            <a:ext cx="4641950" cy="4351338"/>
+          </a:xfrm>
+        </p:spPr>
+      </p:pic>
+      <p:sp>
+        <p:nvSpPr>
+          <p:cNvPr id="4" name="内容占位符 3">
+            <a:extLst>
+              <a:ext uri="{FF2B5EF4-FFF2-40B4-BE49-F238E27FC236}">
+                <a16:creationId xmlns:a16="http://schemas.microsoft.com/office/drawing/2014/main" id="{985BCF88-3478-4ED8-825B-84055BBA3353}"/>
+              </a:ext>
+            </a:extLst>
+          </p:cNvPr>
+          <p:cNvSpPr>
+            <a:spLocks noGrp="1"/>
+          </p:cNvSpPr>
+          <p:nvPr>
+            <p:ph sz="half" idx="2"/>
+          </p:nvPr>
+        </p:nvSpPr>
+        <p:spPr/>
+        <p:txBody>
+          <a:bodyPr>
+            <a:normAutofit lnSpcReduction="10000"/>
+          </a:bodyPr>
+          <a:lstStyle/>
+          <a:p>
+            <a:r>
+              <a:rPr lang="en-US" altLang="zh-CN" dirty="0" err="1"/>
+              <a:t>Bdrmap</a:t>
+            </a:r>
+            <a:r>
+              <a:rPr lang="en-US" altLang="zh-CN" dirty="0"/>
+              <a:t>-IT</a:t>
+            </a:r>
+            <a:r>
+              <a:rPr lang="zh-CN" altLang="en-US" dirty="0"/>
+              <a:t>具有三个阶段：</a:t>
+            </a:r>
+            <a:endParaRPr lang="en-US" altLang="zh-CN" dirty="0"/>
+          </a:p>
+          <a:p>
+            <a:pPr lvl="1"/>
+            <a:r>
+              <a:rPr lang="zh-CN" altLang="en-US" dirty="0"/>
+              <a:t>第一阶段从跟踪路由和别名解析构建有向图</a:t>
+            </a:r>
+            <a:endParaRPr lang="en-US" altLang="zh-CN" dirty="0"/>
+          </a:p>
+          <a:p>
+            <a:pPr lvl="1"/>
+            <a:r>
+              <a:rPr lang="zh-CN" altLang="en-US" dirty="0"/>
+              <a:t>第二阶段推断仅出现在跟踪路由末尾的路由器的运营商。 这些映射不受细化，并为最后阶段的映射提供拓扑上下文。 </a:t>
+            </a:r>
+            <a:endParaRPr lang="en-US" altLang="zh-CN" dirty="0"/>
+          </a:p>
+          <a:p>
+            <a:pPr lvl="1"/>
+            <a:r>
+              <a:rPr lang="zh-CN" altLang="en-US" dirty="0"/>
+              <a:t>最后阶段将在至少一个跟踪路由路径中间观察到的路由器映射到 </a:t>
+            </a:r>
+            <a:r>
+              <a:rPr lang="en-US" altLang="zh-CN" dirty="0"/>
+              <a:t>AS</a:t>
+            </a:r>
+            <a:r>
+              <a:rPr lang="zh-CN" altLang="en-US" dirty="0"/>
+              <a:t>。 并且进行迭代，多次访问路由器和接口以做出准确的推断</a:t>
+            </a:r>
+            <a:endParaRPr lang="en-US" altLang="zh-CN" dirty="0"/>
+          </a:p>
+          <a:p>
+            <a:endParaRPr lang="zh-CN" altLang="en-US" dirty="0"/>
+          </a:p>
+        </p:txBody>
+      </p:sp>
+    </p:spTree>
+    <p:extLst>
+      <p:ext uri="{BB962C8B-B14F-4D97-AF65-F5344CB8AC3E}">
+        <p14:creationId xmlns:p14="http://schemas.microsoft.com/office/powerpoint/2010/main" val="2162613818"/>
+      </p:ext>
+    </p:extLst>
+  </p:cSld>
+  <p:clrMapOvr>
+    <a:masterClrMapping/>
+  </p:clrMapOvr>
+</p:sld>
+</file>
+
+<file path=ppt/slides/slide16.xml><?xml version="1.0" encoding="utf-8"?>
+<p:sld xmlns:a="http://schemas.openxmlformats.org/drawingml/2006/main" xmlns:r="http://schemas.openxmlformats.org/officeDocument/2006/relationships" xmlns:p="http://schemas.openxmlformats.org/presentationml/2006/main">
+  <p:cSld>
+    <p:spTree>
+      <p:nvGrpSpPr>
+        <p:cNvPr id="1" name=""/>
+        <p:cNvGrpSpPr/>
+        <p:nvPr/>
+      </p:nvGrpSpPr>
+      <p:grpSpPr>
+        <a:xfrm>
+          <a:off x="0" y="0"/>
+          <a:ext cx="0" cy="0"/>
+          <a:chOff x="0" y="0"/>
+          <a:chExt cx="0" cy="0"/>
+        </a:xfrm>
+      </p:grpSpPr>
+      <p:sp>
+        <p:nvSpPr>
+          <p:cNvPr id="2" name="标题 1">
+            <a:extLst>
+              <a:ext uri="{FF2B5EF4-FFF2-40B4-BE49-F238E27FC236}">
                 <a16:creationId xmlns:a16="http://schemas.microsoft.com/office/drawing/2014/main" id="{AA03F6D7-9EB8-42AC-A1F9-CD8D3F4A56C5}"/>
               </a:ext>
             </a:extLst>
@@ -5053,7 +7129,7 @@
 </p:sld>
 </file>
 
-<file path=ppt/slides/slide11.xml><?xml version="1.0" encoding="utf-8"?>
+<file path=ppt/slides/slide17.xml><?xml version="1.0" encoding="utf-8"?>
 <p:sld xmlns:a="http://schemas.openxmlformats.org/drawingml/2006/main" xmlns:r="http://schemas.openxmlformats.org/officeDocument/2006/relationships" xmlns:p="http://schemas.openxmlformats.org/presentationml/2006/main">
   <p:cSld>
     <p:spTree>
@@ -5144,7 +7220,7 @@
 </p:sld>
 </file>
 
-<file path=ppt/slides/slide12.xml><?xml version="1.0" encoding="utf-8"?>
+<file path=ppt/slides/slide18.xml><?xml version="1.0" encoding="utf-8"?>
 <p:sld xmlns:a="http://schemas.openxmlformats.org/drawingml/2006/main" xmlns:r="http://schemas.openxmlformats.org/officeDocument/2006/relationships" xmlns:p="http://schemas.openxmlformats.org/presentationml/2006/main">
   <p:cSld>
     <p:spTree>
@@ -5353,7 +7429,7 @@
 </p:sld>
 </file>
 
-<file path=ppt/slides/slide13.xml><?xml version="1.0" encoding="utf-8"?>
+<file path=ppt/slides/slide19.xml><?xml version="1.0" encoding="utf-8"?>
 <p:sld xmlns:a="http://schemas.openxmlformats.org/drawingml/2006/main" xmlns:r="http://schemas.openxmlformats.org/officeDocument/2006/relationships" xmlns:p="http://schemas.openxmlformats.org/presentationml/2006/main">
   <p:cSld>
     <p:spTree>
@@ -6352,7 +8428,160 @@
 </p:sld>
 </file>
 
-<file path=ppt/slides/slide14.xml><?xml version="1.0" encoding="utf-8"?>
+<file path=ppt/slides/slide2.xml><?xml version="1.0" encoding="utf-8"?>
+<p:sld xmlns:a="http://schemas.openxmlformats.org/drawingml/2006/main" xmlns:r="http://schemas.openxmlformats.org/officeDocument/2006/relationships" xmlns:p="http://schemas.openxmlformats.org/presentationml/2006/main">
+  <p:cSld>
+    <p:spTree>
+      <p:nvGrpSpPr>
+        <p:cNvPr id="1" name=""/>
+        <p:cNvGrpSpPr/>
+        <p:nvPr/>
+      </p:nvGrpSpPr>
+      <p:grpSpPr>
+        <a:xfrm>
+          <a:off x="0" y="0"/>
+          <a:ext cx="0" cy="0"/>
+          <a:chOff x="0" y="0"/>
+          <a:chExt cx="0" cy="0"/>
+        </a:xfrm>
+      </p:grpSpPr>
+      <p:sp>
+        <p:nvSpPr>
+          <p:cNvPr id="2" name="标题 1">
+            <a:extLst>
+              <a:ext uri="{FF2B5EF4-FFF2-40B4-BE49-F238E27FC236}">
+                <a16:creationId xmlns:a16="http://schemas.microsoft.com/office/drawing/2014/main" id="{89FFF2D8-8401-471E-9D51-3196808B07F2}"/>
+              </a:ext>
+            </a:extLst>
+          </p:cNvPr>
+          <p:cNvSpPr>
+            <a:spLocks noGrp="1"/>
+          </p:cNvSpPr>
+          <p:nvPr>
+            <p:ph type="title"/>
+          </p:nvPr>
+        </p:nvSpPr>
+        <p:spPr/>
+        <p:txBody>
+          <a:bodyPr/>
+          <a:lstStyle/>
+          <a:p>
+            <a:r>
+              <a:rPr lang="zh-CN" altLang="en-US" dirty="0"/>
+              <a:t>目录</a:t>
+            </a:r>
+          </a:p>
+        </p:txBody>
+      </p:sp>
+      <p:sp>
+        <p:nvSpPr>
+          <p:cNvPr id="3" name="内容占位符 2">
+            <a:extLst>
+              <a:ext uri="{FF2B5EF4-FFF2-40B4-BE49-F238E27FC236}">
+                <a16:creationId xmlns:a16="http://schemas.microsoft.com/office/drawing/2014/main" id="{4EAFE9CB-5467-4D45-9D99-CF5AB6D5ECEC}"/>
+              </a:ext>
+            </a:extLst>
+          </p:cNvPr>
+          <p:cNvSpPr>
+            <a:spLocks noGrp="1"/>
+          </p:cNvSpPr>
+          <p:nvPr>
+            <p:ph idx="1"/>
+          </p:nvPr>
+        </p:nvSpPr>
+        <p:spPr/>
+        <p:txBody>
+          <a:bodyPr>
+            <a:normAutofit/>
+          </a:bodyPr>
+          <a:lstStyle/>
+          <a:p>
+            <a:r>
+              <a:rPr lang="en-US" altLang="zh-CN" dirty="0"/>
+              <a:t>IP2AS</a:t>
+            </a:r>
+            <a:r>
+              <a:rPr lang="zh-CN" altLang="en-US" dirty="0"/>
+              <a:t>定义</a:t>
+            </a:r>
+            <a:endParaRPr lang="en-US" altLang="zh-CN" dirty="0"/>
+          </a:p>
+          <a:p>
+            <a:r>
+              <a:rPr lang="en-US" altLang="zh-CN" dirty="0"/>
+              <a:t>IP2AS</a:t>
+            </a:r>
+            <a:r>
+              <a:rPr lang="zh-CN" altLang="en-US" dirty="0"/>
+              <a:t>应用</a:t>
+            </a:r>
+            <a:endParaRPr lang="en-US" altLang="zh-CN" dirty="0"/>
+          </a:p>
+          <a:p>
+            <a:r>
+              <a:rPr lang="en-US" altLang="zh-CN" dirty="0"/>
+              <a:t>IP2AS</a:t>
+            </a:r>
+            <a:r>
+              <a:rPr lang="zh-CN" altLang="en-US" dirty="0"/>
+              <a:t>方法分类</a:t>
+            </a:r>
+            <a:endParaRPr lang="en-US" altLang="zh-CN" dirty="0"/>
+          </a:p>
+          <a:p>
+            <a:pPr lvl="1"/>
+            <a:r>
+              <a:rPr lang="en-US" altLang="zh-CN" dirty="0"/>
+              <a:t>Pair matching</a:t>
+            </a:r>
+          </a:p>
+          <a:p>
+            <a:pPr lvl="1"/>
+            <a:r>
+              <a:rPr lang="en-US" altLang="zh-CN" dirty="0"/>
+              <a:t>IP-router-AS</a:t>
+            </a:r>
+          </a:p>
+          <a:p>
+            <a:pPr lvl="1"/>
+            <a:r>
+              <a:rPr lang="en-US" altLang="zh-CN" dirty="0"/>
+              <a:t>Probabilistic Model</a:t>
+            </a:r>
+          </a:p>
+          <a:p>
+            <a:r>
+              <a:rPr lang="en-US" altLang="zh-CN" dirty="0"/>
+              <a:t>IP2AS</a:t>
+            </a:r>
+            <a:r>
+              <a:rPr lang="zh-CN" altLang="en-US" dirty="0"/>
+              <a:t>常用数据集</a:t>
+            </a:r>
+            <a:endParaRPr lang="en-US" altLang="zh-CN" dirty="0"/>
+          </a:p>
+          <a:p>
+            <a:r>
+              <a:rPr lang="zh-CN" altLang="en-US" dirty="0"/>
+              <a:t>其他文献</a:t>
+            </a:r>
+          </a:p>
+        </p:txBody>
+      </p:sp>
+    </p:spTree>
+    <p:extLst>
+      <p:ext uri="{BB962C8B-B14F-4D97-AF65-F5344CB8AC3E}">
+        <p14:creationId xmlns:p14="http://schemas.microsoft.com/office/powerpoint/2010/main" val="1764954960"/>
+      </p:ext>
+    </p:extLst>
+  </p:cSld>
+  <p:clrMapOvr>
+    <a:masterClrMapping/>
+  </p:clrMapOvr>
+</p:sld>
+</file>
+
+<file path=ppt/slides/slide20.xml><?xml version="1.0" encoding="utf-8"?>
 <p:sld xmlns:a="http://schemas.openxmlformats.org/drawingml/2006/main" xmlns:r="http://schemas.openxmlformats.org/officeDocument/2006/relationships" xmlns:p="http://schemas.openxmlformats.org/presentationml/2006/main">
   <p:cSld>
     <p:spTree>
@@ -7424,159 +9653,6 @@
     <p:extLst>
       <p:ext uri="{BB962C8B-B14F-4D97-AF65-F5344CB8AC3E}">
         <p14:creationId xmlns:p14="http://schemas.microsoft.com/office/powerpoint/2010/main" val="1875100454"/>
-      </p:ext>
-    </p:extLst>
-  </p:cSld>
-  <p:clrMapOvr>
-    <a:masterClrMapping/>
-  </p:clrMapOvr>
-</p:sld>
-</file>
-
-<file path=ppt/slides/slide2.xml><?xml version="1.0" encoding="utf-8"?>
-<p:sld xmlns:a="http://schemas.openxmlformats.org/drawingml/2006/main" xmlns:r="http://schemas.openxmlformats.org/officeDocument/2006/relationships" xmlns:p="http://schemas.openxmlformats.org/presentationml/2006/main">
-  <p:cSld>
-    <p:spTree>
-      <p:nvGrpSpPr>
-        <p:cNvPr id="1" name=""/>
-        <p:cNvGrpSpPr/>
-        <p:nvPr/>
-      </p:nvGrpSpPr>
-      <p:grpSpPr>
-        <a:xfrm>
-          <a:off x="0" y="0"/>
-          <a:ext cx="0" cy="0"/>
-          <a:chOff x="0" y="0"/>
-          <a:chExt cx="0" cy="0"/>
-        </a:xfrm>
-      </p:grpSpPr>
-      <p:sp>
-        <p:nvSpPr>
-          <p:cNvPr id="2" name="标题 1">
-            <a:extLst>
-              <a:ext uri="{FF2B5EF4-FFF2-40B4-BE49-F238E27FC236}">
-                <a16:creationId xmlns:a16="http://schemas.microsoft.com/office/drawing/2014/main" id="{89FFF2D8-8401-471E-9D51-3196808B07F2}"/>
-              </a:ext>
-            </a:extLst>
-          </p:cNvPr>
-          <p:cNvSpPr>
-            <a:spLocks noGrp="1"/>
-          </p:cNvSpPr>
-          <p:nvPr>
-            <p:ph type="title"/>
-          </p:nvPr>
-        </p:nvSpPr>
-        <p:spPr/>
-        <p:txBody>
-          <a:bodyPr/>
-          <a:lstStyle/>
-          <a:p>
-            <a:r>
-              <a:rPr lang="zh-CN" altLang="en-US" dirty="0"/>
-              <a:t>目录</a:t>
-            </a:r>
-          </a:p>
-        </p:txBody>
-      </p:sp>
-      <p:sp>
-        <p:nvSpPr>
-          <p:cNvPr id="3" name="内容占位符 2">
-            <a:extLst>
-              <a:ext uri="{FF2B5EF4-FFF2-40B4-BE49-F238E27FC236}">
-                <a16:creationId xmlns:a16="http://schemas.microsoft.com/office/drawing/2014/main" id="{4EAFE9CB-5467-4D45-9D99-CF5AB6D5ECEC}"/>
-              </a:ext>
-            </a:extLst>
-          </p:cNvPr>
-          <p:cNvSpPr>
-            <a:spLocks noGrp="1"/>
-          </p:cNvSpPr>
-          <p:nvPr>
-            <p:ph idx="1"/>
-          </p:nvPr>
-        </p:nvSpPr>
-        <p:spPr/>
-        <p:txBody>
-          <a:bodyPr>
-            <a:normAutofit/>
-          </a:bodyPr>
-          <a:lstStyle/>
-          <a:p>
-            <a:r>
-              <a:rPr lang="en-US" altLang="zh-CN" dirty="0"/>
-              <a:t>IP2AS</a:t>
-            </a:r>
-            <a:r>
-              <a:rPr lang="zh-CN" altLang="en-US" dirty="0"/>
-              <a:t>定义</a:t>
-            </a:r>
-            <a:endParaRPr lang="en-US" altLang="zh-CN" dirty="0"/>
-          </a:p>
-          <a:p>
-            <a:r>
-              <a:rPr lang="en-US" altLang="zh-CN" dirty="0"/>
-              <a:t>IP2AS</a:t>
-            </a:r>
-            <a:r>
-              <a:rPr lang="zh-CN" altLang="en-US" dirty="0"/>
-              <a:t>应用</a:t>
-            </a:r>
-            <a:endParaRPr lang="en-US" altLang="zh-CN" dirty="0"/>
-          </a:p>
-          <a:p>
-            <a:r>
-              <a:rPr lang="en-US" altLang="zh-CN" dirty="0"/>
-              <a:t>IP2AS</a:t>
-            </a:r>
-            <a:r>
-              <a:rPr lang="zh-CN" altLang="en-US" dirty="0"/>
-              <a:t>方法分类</a:t>
-            </a:r>
-            <a:endParaRPr lang="en-US" altLang="zh-CN" dirty="0"/>
-          </a:p>
-          <a:p>
-            <a:pPr lvl="1"/>
-            <a:r>
-              <a:rPr lang="en-US" altLang="zh-CN" dirty="0"/>
-              <a:t>Pair matching</a:t>
-            </a:r>
-          </a:p>
-          <a:p>
-            <a:pPr lvl="1"/>
-            <a:r>
-              <a:rPr lang="en-US" altLang="zh-CN" dirty="0"/>
-              <a:t>IP-router-AS</a:t>
-            </a:r>
-          </a:p>
-          <a:p>
-            <a:pPr lvl="1"/>
-            <a:r>
-              <a:rPr lang="en-US" altLang="zh-CN" dirty="0"/>
-              <a:t>Probabilistic Model</a:t>
-            </a:r>
-          </a:p>
-          <a:p>
-            <a:r>
-              <a:rPr lang="en-US" altLang="zh-CN" dirty="0"/>
-              <a:t>IP2AS</a:t>
-            </a:r>
-            <a:r>
-              <a:rPr lang="zh-CN" altLang="en-US" dirty="0"/>
-              <a:t>常用数据集</a:t>
-            </a:r>
-            <a:endParaRPr lang="en-US" altLang="zh-CN" dirty="0"/>
-          </a:p>
-          <a:p>
-            <a:r>
-              <a:rPr lang="zh-CN" altLang="en-US" dirty="0"/>
-              <a:t>其他文献</a:t>
-            </a:r>
-          </a:p>
-        </p:txBody>
-      </p:sp>
-    </p:spTree>
-    <p:extLst>
-      <p:ext uri="{BB962C8B-B14F-4D97-AF65-F5344CB8AC3E}">
-        <p14:creationId xmlns:p14="http://schemas.microsoft.com/office/powerpoint/2010/main" val="1764954960"/>
       </p:ext>
     </p:extLst>
   </p:cSld>
@@ -9922,7 +11998,7 @@
           <p:cNvPr id="2" name="标题 1">
             <a:extLst>
               <a:ext uri="{FF2B5EF4-FFF2-40B4-BE49-F238E27FC236}">
-                <a16:creationId xmlns:a16="http://schemas.microsoft.com/office/drawing/2014/main" id="{719F02FB-5DFB-4A61-8C08-E5B379D0D185}"/>
+                <a16:creationId xmlns:a16="http://schemas.microsoft.com/office/drawing/2014/main" id="{96E8F074-529B-4F02-9523-120839B02493}"/>
               </a:ext>
             </a:extLst>
           </p:cNvPr>
@@ -9940,26 +12016,47 @@
           <a:p>
             <a:r>
               <a:rPr lang="en-US" altLang="zh-CN" dirty="0"/>
-              <a:t>IP2AS</a:t>
-            </a:r>
-            <a:r>
-              <a:rPr lang="zh-CN" altLang="en-US" dirty="0"/>
-              <a:t>的发展</a:t>
-            </a:r>
-            <a:r>
-              <a:rPr lang="en-US" altLang="zh-CN" dirty="0"/>
-              <a:t>-IP-router-AS</a:t>
+              <a:t>Pair-matching-SIGCOMM’03</a:t>
             </a:r>
             <a:endParaRPr lang="zh-CN" altLang="en-US" dirty="0"/>
           </a:p>
         </p:txBody>
       </p:sp>
+      <p:pic>
+        <p:nvPicPr>
+          <p:cNvPr id="6" name="内容占位符 5">
+            <a:extLst>
+              <a:ext uri="{FF2B5EF4-FFF2-40B4-BE49-F238E27FC236}">
+                <a16:creationId xmlns:a16="http://schemas.microsoft.com/office/drawing/2014/main" id="{A90FB1A8-1434-48E4-85EB-BDFF1A7EEBE0}"/>
+              </a:ext>
+            </a:extLst>
+          </p:cNvPr>
+          <p:cNvPicPr>
+            <a:picLocks noGrp="1" noChangeAspect="1"/>
+          </p:cNvPicPr>
+          <p:nvPr>
+            <p:ph sz="half" idx="1"/>
+          </p:nvPr>
+        </p:nvPicPr>
+        <p:blipFill>
+          <a:blip r:embed="rId2"/>
+          <a:stretch>
+            <a:fillRect/>
+          </a:stretch>
+        </p:blipFill>
+        <p:spPr>
+          <a:xfrm>
+            <a:off x="1792703" y="1825625"/>
+            <a:ext cx="3272594" cy="4351338"/>
+          </a:xfrm>
+        </p:spPr>
+      </p:pic>
       <p:sp>
         <p:nvSpPr>
-          <p:cNvPr id="5" name="内容占位符 4">
-            <a:extLst>
-              <a:ext uri="{FF2B5EF4-FFF2-40B4-BE49-F238E27FC236}">
-                <a16:creationId xmlns:a16="http://schemas.microsoft.com/office/drawing/2014/main" id="{B6313C6E-BDF7-4688-B7CC-441760D5A762}"/>
+          <p:cNvPr id="4" name="内容占位符 3">
+            <a:extLst>
+              <a:ext uri="{FF2B5EF4-FFF2-40B4-BE49-F238E27FC236}">
+                <a16:creationId xmlns:a16="http://schemas.microsoft.com/office/drawing/2014/main" id="{A17C3F6E-7F87-421C-BDBE-7CACAA1CCA6C}"/>
               </a:ext>
             </a:extLst>
           </p:cNvPr>
@@ -9973,13 +12070,81 @@
         <p:spPr/>
         <p:txBody>
           <a:bodyPr>
-            <a:normAutofit fontScale="92500" lnSpcReduction="10000"/>
+            <a:normAutofit fontScale="70000" lnSpcReduction="20000"/>
           </a:bodyPr>
           <a:lstStyle/>
           <a:p>
-            <a:r>
-              <a:rPr lang="zh-CN" altLang="en-US" dirty="0"/>
-              <a:t>进一步的为了解决</a:t>
+            <a:pPr>
+              <a:lnSpc>
+                <a:spcPct val="120000"/>
+              </a:lnSpc>
+            </a:pPr>
+            <a:r>
+              <a:rPr lang="zh-CN" altLang="en-US" dirty="0"/>
+              <a:t>在最初方法的基础上，</a:t>
+            </a:r>
+            <a:r>
+              <a:rPr lang="en-US" altLang="zh-CN" dirty="0"/>
+              <a:t>Mao</a:t>
+            </a:r>
+            <a:r>
+              <a:rPr lang="zh-CN" altLang="en-US" dirty="0"/>
+              <a:t>提出了</a:t>
+            </a:r>
+            <a:r>
+              <a:rPr lang="en-US" altLang="zh-CN" dirty="0"/>
+              <a:t>pair matching</a:t>
+            </a:r>
+          </a:p>
+          <a:p>
+            <a:pPr>
+              <a:lnSpc>
+                <a:spcPct val="120000"/>
+              </a:lnSpc>
+            </a:pPr>
+            <a:r>
+              <a:rPr lang="en-US" altLang="zh-CN" dirty="0"/>
+              <a:t>Pair-matching</a:t>
+            </a:r>
+            <a:r>
+              <a:rPr lang="zh-CN" altLang="en-US" dirty="0"/>
+              <a:t>的方法依赖两个假设：</a:t>
+            </a:r>
+            <a:endParaRPr lang="en-US" altLang="zh-CN" dirty="0"/>
+          </a:p>
+          <a:p>
+            <a:pPr lvl="1">
+              <a:lnSpc>
+                <a:spcPct val="120000"/>
+              </a:lnSpc>
+            </a:pPr>
+            <a:r>
+              <a:rPr lang="en-US" altLang="zh-CN" dirty="0"/>
+              <a:t>AS</a:t>
+            </a:r>
+            <a:r>
+              <a:rPr lang="zh-CN" altLang="en-US" dirty="0"/>
+              <a:t>级别的路由和转发路径通常相同</a:t>
+            </a:r>
+            <a:endParaRPr lang="en-US" altLang="zh-CN" dirty="0"/>
+          </a:p>
+          <a:p>
+            <a:pPr lvl="1">
+              <a:lnSpc>
+                <a:spcPct val="120000"/>
+              </a:lnSpc>
+            </a:pPr>
+            <a:r>
+              <a:rPr lang="zh-CN" altLang="en-US" dirty="0"/>
+              <a:t>从</a:t>
+            </a:r>
+            <a:r>
+              <a:rPr lang="en-US" altLang="zh-CN" dirty="0"/>
+              <a:t>BGP</a:t>
+            </a:r>
+            <a:r>
+              <a:rPr lang="zh-CN" altLang="en-US" dirty="0"/>
+              <a:t>路由表中推断出来的</a:t>
             </a:r>
             <a:r>
               <a:rPr lang="en-US" altLang="zh-CN" dirty="0"/>
@@ -9987,50 +12152,31 @@
             </a:r>
             <a:r>
               <a:rPr lang="zh-CN" altLang="en-US" dirty="0"/>
-              <a:t>的最难的推断点：边缘路由器推断，研究者提出了</a:t>
-            </a:r>
-            <a:r>
-              <a:rPr lang="en-US" altLang="zh-CN" dirty="0"/>
-              <a:t>IP-router-AS</a:t>
-            </a:r>
-            <a:r>
-              <a:rPr lang="zh-CN" altLang="en-US" dirty="0"/>
-              <a:t>的方法</a:t>
+              <a:t>映射多数情况下是正确的</a:t>
             </a:r>
             <a:endParaRPr lang="en-US" altLang="zh-CN" dirty="0"/>
           </a:p>
           <a:p>
-            <a:r>
-              <a:rPr lang="en-US" altLang="zh-CN" dirty="0"/>
-              <a:t>IP-router-AS</a:t>
-            </a:r>
-            <a:r>
-              <a:rPr lang="zh-CN" altLang="en-US" dirty="0"/>
-              <a:t>类的方法大致由以下步骤组成：</a:t>
+            <a:pPr>
+              <a:lnSpc>
+                <a:spcPct val="120000"/>
+              </a:lnSpc>
+            </a:pPr>
+            <a:r>
+              <a:rPr lang="zh-CN" altLang="en-US" dirty="0"/>
+              <a:t>大致步骤：</a:t>
             </a:r>
             <a:endParaRPr lang="en-US" altLang="zh-CN" dirty="0"/>
           </a:p>
           <a:p>
-            <a:pPr lvl="1"/>
-            <a:r>
-              <a:rPr lang="zh-CN" altLang="en-US" dirty="0"/>
-              <a:t>收集</a:t>
-            </a:r>
-            <a:r>
-              <a:rPr lang="en-US" altLang="zh-CN" dirty="0"/>
-              <a:t>Traceroute</a:t>
-            </a:r>
-            <a:r>
-              <a:rPr lang="zh-CN" altLang="en-US" dirty="0"/>
-              <a:t>数据，</a:t>
-            </a:r>
-            <a:r>
-              <a:rPr lang="zh-CN" altLang="en-US" b="1" dirty="0"/>
-              <a:t>构建网络拓扑图</a:t>
-            </a:r>
-            <a:r>
-              <a:rPr lang="zh-CN" altLang="en-US" dirty="0"/>
-              <a:t>（</a:t>
+            <a:pPr lvl="1">
+              <a:lnSpc>
+                <a:spcPct val="120000"/>
+              </a:lnSpc>
+            </a:pPr>
+            <a:r>
+              <a:rPr lang="zh-CN" altLang="en-US" dirty="0"/>
+              <a:t>选中部分</a:t>
             </a:r>
             <a:r>
               <a:rPr lang="en-US" altLang="zh-CN" dirty="0"/>
@@ -10038,915 +12184,123 @@
             </a:r>
             <a:r>
               <a:rPr lang="zh-CN" altLang="en-US" dirty="0"/>
-              <a:t>级别拓扑）</a:t>
+              <a:t>前缀</a:t>
             </a:r>
             <a:endParaRPr lang="en-US" altLang="zh-CN" dirty="0"/>
           </a:p>
           <a:p>
-            <a:pPr lvl="1"/>
-            <a:r>
-              <a:rPr lang="zh-CN" altLang="en-US" dirty="0"/>
-              <a:t>别名解析，</a:t>
-            </a:r>
-            <a:r>
-              <a:rPr lang="zh-CN" altLang="en-US" b="1" dirty="0"/>
-              <a:t>将</a:t>
-            </a:r>
-            <a:r>
-              <a:rPr lang="en-US" altLang="zh-CN" b="1" dirty="0"/>
+            <a:pPr lvl="1">
+              <a:lnSpc>
+                <a:spcPct val="120000"/>
+              </a:lnSpc>
+            </a:pPr>
+            <a:r>
+              <a:rPr lang="zh-CN" altLang="en-US" dirty="0"/>
+              <a:t>使用</a:t>
+            </a:r>
+            <a:r>
+              <a:rPr lang="en-US" altLang="zh-CN" dirty="0"/>
+              <a:t>traceroute</a:t>
+            </a:r>
+            <a:r>
+              <a:rPr lang="zh-CN" altLang="en-US" dirty="0"/>
+              <a:t>指向选中的</a:t>
+            </a:r>
+            <a:r>
+              <a:rPr lang="en-US" altLang="zh-CN" dirty="0"/>
               <a:t>IP</a:t>
             </a:r>
             <a:r>
-              <a:rPr lang="zh-CN" altLang="en-US" b="1" dirty="0"/>
-              <a:t>级别的拓扑图转化为路由器级别</a:t>
-            </a:r>
-            <a:r>
-              <a:rPr lang="zh-CN" altLang="en-US" dirty="0"/>
-              <a:t>（</a:t>
+              <a:rPr lang="zh-CN" altLang="en-US" dirty="0"/>
+              <a:t>前缀</a:t>
+            </a:r>
+            <a:endParaRPr lang="en-US" altLang="zh-CN" dirty="0"/>
+          </a:p>
+          <a:p>
+            <a:pPr lvl="1">
+              <a:lnSpc>
+                <a:spcPct val="120000"/>
+              </a:lnSpc>
+            </a:pPr>
+            <a:r>
+              <a:rPr lang="zh-CN" altLang="en-US" dirty="0"/>
+              <a:t>从边界路由的</a:t>
             </a:r>
             <a:r>
               <a:rPr lang="en-US" altLang="zh-CN" dirty="0"/>
-              <a:t>IP-to-node</a:t>
-            </a:r>
-            <a:r>
-              <a:rPr lang="zh-CN" altLang="en-US" dirty="0"/>
-              <a:t>）</a:t>
+              <a:t>BGP AS</a:t>
+            </a:r>
+            <a:r>
+              <a:rPr lang="zh-CN" altLang="en-US" dirty="0"/>
+              <a:t>表提取</a:t>
+            </a:r>
+            <a:r>
+              <a:rPr lang="en-US" altLang="zh-CN" dirty="0"/>
+              <a:t>BGP AS</a:t>
+            </a:r>
+            <a:r>
+              <a:rPr lang="zh-CN" altLang="en-US" dirty="0"/>
+              <a:t>路径</a:t>
             </a:r>
             <a:endParaRPr lang="en-US" altLang="zh-CN" dirty="0"/>
           </a:p>
           <a:p>
-            <a:pPr lvl="1"/>
-            <a:r>
-              <a:rPr lang="zh-CN" altLang="en-US" dirty="0"/>
-              <a:t>采用多</a:t>
-            </a:r>
-            <a:r>
-              <a:rPr lang="zh-CN" altLang="en-US" b="1" dirty="0"/>
-              <a:t>组启发式算法组合</a:t>
-            </a:r>
-            <a:r>
-              <a:rPr lang="zh-CN" altLang="en-US" dirty="0"/>
-              <a:t>的方法，推断边缘路由器的所属</a:t>
+            <a:pPr lvl="1">
+              <a:lnSpc>
+                <a:spcPct val="120000"/>
+              </a:lnSpc>
+            </a:pPr>
+            <a:r>
+              <a:rPr lang="zh-CN" altLang="en-US" dirty="0"/>
+              <a:t>通过使用从大量 </a:t>
             </a:r>
             <a:r>
               <a:rPr lang="en-US" altLang="zh-CN" dirty="0"/>
-              <a:t>AS</a:t>
-            </a:r>
-            <a:r>
-              <a:rPr lang="zh-CN" altLang="en-US" dirty="0"/>
-              <a:t>（</a:t>
+              <a:t>BGP </a:t>
+            </a:r>
+            <a:r>
+              <a:rPr lang="zh-CN" altLang="en-US" dirty="0"/>
+              <a:t>路由表中提取的原始 </a:t>
             </a:r>
             <a:r>
               <a:rPr lang="en-US" altLang="zh-CN" dirty="0"/>
-              <a:t>node-AS</a:t>
-            </a:r>
-            <a:r>
-              <a:rPr lang="zh-CN" altLang="en-US" dirty="0"/>
-              <a:t>）</a:t>
-            </a:r>
-          </a:p>
-        </p:txBody>
-      </p:sp>
-      <p:sp>
-        <p:nvSpPr>
-          <p:cNvPr id="6" name="矩形 5">
-            <a:extLst>
-              <a:ext uri="{FF2B5EF4-FFF2-40B4-BE49-F238E27FC236}">
-                <a16:creationId xmlns:a16="http://schemas.microsoft.com/office/drawing/2014/main" id="{D2833DCA-C2D6-4B5F-B3B6-FF81104F412F}"/>
-              </a:ext>
-            </a:extLst>
-          </p:cNvPr>
-          <p:cNvSpPr/>
-          <p:nvPr/>
-        </p:nvSpPr>
-        <p:spPr>
-          <a:xfrm>
-            <a:off x="1783006" y="3241867"/>
-            <a:ext cx="1080000" cy="720000"/>
-          </a:xfrm>
-          <a:prstGeom prst="rect">
-            <a:avLst/>
-          </a:prstGeom>
-          <a:ln w="19050">
-            <a:solidFill>
-              <a:schemeClr val="tx1"/>
-            </a:solidFill>
-          </a:ln>
-        </p:spPr>
-        <p:style>
-          <a:lnRef idx="2">
-            <a:schemeClr val="accent1">
-              <a:shade val="50000"/>
-            </a:schemeClr>
-          </a:lnRef>
-          <a:fillRef idx="1">
-            <a:schemeClr val="accent1"/>
-          </a:fillRef>
-          <a:effectRef idx="0">
-            <a:schemeClr val="accent1"/>
-          </a:effectRef>
-          <a:fontRef idx="minor">
-            <a:schemeClr val="lt1"/>
-          </a:fontRef>
-        </p:style>
-        <p:txBody>
-          <a:bodyPr rtlCol="0" anchor="ctr"/>
-          <a:lstStyle/>
-          <a:p>
-            <a:pPr algn="ctr"/>
-            <a:r>
-              <a:rPr lang="zh-CN" altLang="en-US" sz="1200" dirty="0"/>
-              <a:t>收集</a:t>
-            </a:r>
-            <a:r>
-              <a:rPr lang="en-US" altLang="zh-CN" sz="1200" dirty="0"/>
-              <a:t>traceroute</a:t>
-            </a:r>
-            <a:r>
-              <a:rPr lang="zh-CN" altLang="en-US" sz="1200" dirty="0"/>
-              <a:t>数据</a:t>
-            </a:r>
-          </a:p>
-        </p:txBody>
-      </p:sp>
-      <p:sp>
-        <p:nvSpPr>
-          <p:cNvPr id="7" name="矩形 6">
-            <a:extLst>
-              <a:ext uri="{FF2B5EF4-FFF2-40B4-BE49-F238E27FC236}">
-                <a16:creationId xmlns:a16="http://schemas.microsoft.com/office/drawing/2014/main" id="{BC384A95-3565-42E2-92AF-AC9A1B3F7356}"/>
-              </a:ext>
-            </a:extLst>
-          </p:cNvPr>
-          <p:cNvSpPr/>
-          <p:nvPr/>
-        </p:nvSpPr>
-        <p:spPr>
-          <a:xfrm>
-            <a:off x="1783006" y="2178026"/>
-            <a:ext cx="1080000" cy="720000"/>
-          </a:xfrm>
-          <a:prstGeom prst="rect">
-            <a:avLst/>
-          </a:prstGeom>
-          <a:ln w="19050">
-            <a:solidFill>
-              <a:schemeClr val="tx1"/>
-            </a:solidFill>
-          </a:ln>
-        </p:spPr>
-        <p:style>
-          <a:lnRef idx="2">
-            <a:schemeClr val="accent1">
-              <a:shade val="50000"/>
-            </a:schemeClr>
-          </a:lnRef>
-          <a:fillRef idx="1">
-            <a:schemeClr val="accent1"/>
-          </a:fillRef>
-          <a:effectRef idx="0">
-            <a:schemeClr val="accent1"/>
-          </a:effectRef>
-          <a:fontRef idx="minor">
-            <a:schemeClr val="lt1"/>
-          </a:fontRef>
-        </p:style>
-        <p:txBody>
-          <a:bodyPr rtlCol="0" anchor="ctr"/>
-          <a:lstStyle/>
-          <a:p>
-            <a:pPr algn="ctr"/>
-            <a:r>
-              <a:rPr lang="zh-CN" altLang="en-US" sz="1200" dirty="0"/>
-              <a:t>获取全部地址块</a:t>
-            </a:r>
-          </a:p>
-        </p:txBody>
-      </p:sp>
-      <p:sp>
-        <p:nvSpPr>
-          <p:cNvPr id="8" name="矩形 7">
-            <a:extLst>
-              <a:ext uri="{FF2B5EF4-FFF2-40B4-BE49-F238E27FC236}">
-                <a16:creationId xmlns:a16="http://schemas.microsoft.com/office/drawing/2014/main" id="{060586EA-5C00-400C-A6B4-70F653264A68}"/>
-              </a:ext>
-            </a:extLst>
-          </p:cNvPr>
-          <p:cNvSpPr/>
-          <p:nvPr/>
-        </p:nvSpPr>
-        <p:spPr>
-          <a:xfrm>
-            <a:off x="1783006" y="4305708"/>
-            <a:ext cx="1080000" cy="720000"/>
-          </a:xfrm>
-          <a:prstGeom prst="rect">
-            <a:avLst/>
-          </a:prstGeom>
-          <a:ln w="19050">
-            <a:solidFill>
-              <a:schemeClr val="tx1"/>
-            </a:solidFill>
-          </a:ln>
-        </p:spPr>
-        <p:style>
-          <a:lnRef idx="2">
-            <a:schemeClr val="accent1">
-              <a:shade val="50000"/>
-            </a:schemeClr>
-          </a:lnRef>
-          <a:fillRef idx="1">
-            <a:schemeClr val="accent1"/>
-          </a:fillRef>
-          <a:effectRef idx="0">
-            <a:schemeClr val="accent1"/>
-          </a:effectRef>
-          <a:fontRef idx="minor">
-            <a:schemeClr val="lt1"/>
-          </a:fontRef>
-        </p:style>
-        <p:txBody>
-          <a:bodyPr rtlCol="0" anchor="ctr"/>
-          <a:lstStyle/>
-          <a:p>
-            <a:pPr algn="ctr"/>
-            <a:r>
-              <a:rPr lang="zh-CN" altLang="en-US" sz="1200" dirty="0"/>
-              <a:t>清洗</a:t>
-            </a:r>
-            <a:r>
-              <a:rPr lang="en-US" altLang="zh-CN" sz="1200" dirty="0"/>
-              <a:t>traceroute</a:t>
-            </a:r>
-            <a:r>
-              <a:rPr lang="zh-CN" altLang="en-US" sz="1200" dirty="0"/>
-              <a:t>数据</a:t>
-            </a:r>
-          </a:p>
-        </p:txBody>
-      </p:sp>
-      <p:sp>
-        <p:nvSpPr>
-          <p:cNvPr id="9" name="矩形 8">
-            <a:extLst>
-              <a:ext uri="{FF2B5EF4-FFF2-40B4-BE49-F238E27FC236}">
-                <a16:creationId xmlns:a16="http://schemas.microsoft.com/office/drawing/2014/main" id="{F04A079D-1EF1-4C45-BEA9-1318503D8891}"/>
-              </a:ext>
-            </a:extLst>
-          </p:cNvPr>
-          <p:cNvSpPr/>
-          <p:nvPr/>
-        </p:nvSpPr>
-        <p:spPr>
-          <a:xfrm>
-            <a:off x="3684307" y="2178026"/>
-            <a:ext cx="1080000" cy="720000"/>
-          </a:xfrm>
-          <a:prstGeom prst="rect">
-            <a:avLst/>
-          </a:prstGeom>
-          <a:solidFill>
-            <a:schemeClr val="accent2"/>
-          </a:solidFill>
-          <a:ln w="19050">
-            <a:solidFill>
-              <a:schemeClr val="tx1"/>
-            </a:solidFill>
-          </a:ln>
-        </p:spPr>
-        <p:style>
-          <a:lnRef idx="2">
-            <a:schemeClr val="accent1">
-              <a:shade val="50000"/>
-            </a:schemeClr>
-          </a:lnRef>
-          <a:fillRef idx="1">
-            <a:schemeClr val="accent1"/>
-          </a:fillRef>
-          <a:effectRef idx="0">
-            <a:schemeClr val="accent1"/>
-          </a:effectRef>
-          <a:fontRef idx="minor">
-            <a:schemeClr val="lt1"/>
-          </a:fontRef>
-        </p:style>
-        <p:txBody>
-          <a:bodyPr rtlCol="0" anchor="ctr"/>
-          <a:lstStyle/>
-          <a:p>
-            <a:pPr algn="ctr"/>
-            <a:r>
-              <a:rPr lang="zh-CN" altLang="en-US" sz="1200" dirty="0"/>
-              <a:t>别名解析</a:t>
-            </a:r>
-          </a:p>
-        </p:txBody>
-      </p:sp>
-      <p:sp>
-        <p:nvSpPr>
-          <p:cNvPr id="10" name="矩形 9">
-            <a:extLst>
-              <a:ext uri="{FF2B5EF4-FFF2-40B4-BE49-F238E27FC236}">
-                <a16:creationId xmlns:a16="http://schemas.microsoft.com/office/drawing/2014/main" id="{C36DBE1D-B0CE-4085-BCD7-18A7BBC560DB}"/>
-              </a:ext>
-            </a:extLst>
-          </p:cNvPr>
-          <p:cNvSpPr/>
-          <p:nvPr/>
-        </p:nvSpPr>
-        <p:spPr>
-          <a:xfrm>
-            <a:off x="3684306" y="3239221"/>
-            <a:ext cx="1080000" cy="720000"/>
-          </a:xfrm>
-          <a:prstGeom prst="rect">
-            <a:avLst/>
-          </a:prstGeom>
-          <a:solidFill>
-            <a:schemeClr val="accent2"/>
-          </a:solidFill>
-          <a:ln w="19050">
-            <a:solidFill>
-              <a:schemeClr val="tx1"/>
-            </a:solidFill>
-          </a:ln>
-        </p:spPr>
-        <p:style>
-          <a:lnRef idx="2">
-            <a:schemeClr val="accent1">
-              <a:shade val="50000"/>
-            </a:schemeClr>
-          </a:lnRef>
-          <a:fillRef idx="1">
-            <a:schemeClr val="accent1"/>
-          </a:fillRef>
-          <a:effectRef idx="0">
-            <a:schemeClr val="accent1"/>
-          </a:effectRef>
-          <a:fontRef idx="minor">
-            <a:schemeClr val="lt1"/>
-          </a:fontRef>
-        </p:style>
-        <p:txBody>
-          <a:bodyPr rtlCol="0" anchor="ctr"/>
-          <a:lstStyle/>
-          <a:p>
-            <a:pPr algn="ctr"/>
-            <a:r>
-              <a:rPr lang="zh-CN" altLang="en-US" sz="1200" dirty="0"/>
-              <a:t>构建路由器级拓扑图</a:t>
-            </a:r>
-          </a:p>
-        </p:txBody>
-      </p:sp>
-      <p:sp>
-        <p:nvSpPr>
-          <p:cNvPr id="11" name="矩形 10">
-            <a:extLst>
-              <a:ext uri="{FF2B5EF4-FFF2-40B4-BE49-F238E27FC236}">
-                <a16:creationId xmlns:a16="http://schemas.microsoft.com/office/drawing/2014/main" id="{B65E288D-AAE5-418A-8B0C-FAB4FC64DEB8}"/>
-              </a:ext>
-            </a:extLst>
-          </p:cNvPr>
-          <p:cNvSpPr/>
-          <p:nvPr/>
-        </p:nvSpPr>
-        <p:spPr>
-          <a:xfrm>
-            <a:off x="3684306" y="4300416"/>
-            <a:ext cx="1080000" cy="720000"/>
-          </a:xfrm>
-          <a:prstGeom prst="rect">
-            <a:avLst/>
-          </a:prstGeom>
-          <a:solidFill>
-            <a:schemeClr val="accent6"/>
-          </a:solidFill>
-          <a:ln w="19050">
-            <a:solidFill>
-              <a:schemeClr val="tx1"/>
-            </a:solidFill>
-          </a:ln>
-        </p:spPr>
-        <p:style>
-          <a:lnRef idx="2">
-            <a:schemeClr val="accent1">
-              <a:shade val="50000"/>
-            </a:schemeClr>
-          </a:lnRef>
-          <a:fillRef idx="1">
-            <a:schemeClr val="accent1"/>
-          </a:fillRef>
-          <a:effectRef idx="0">
-            <a:schemeClr val="accent1"/>
-          </a:effectRef>
-          <a:fontRef idx="minor">
-            <a:schemeClr val="lt1"/>
-          </a:fontRef>
-        </p:style>
-        <p:txBody>
-          <a:bodyPr rtlCol="0" anchor="ctr"/>
-          <a:lstStyle/>
-          <a:p>
-            <a:pPr algn="ctr"/>
-            <a:r>
-              <a:rPr lang="zh-CN" altLang="en-US" sz="1200" dirty="0"/>
-              <a:t>边缘路由器</a:t>
-            </a:r>
-            <a:r>
-              <a:rPr lang="en-US" altLang="zh-CN" sz="1200" dirty="0"/>
-              <a:t>AS</a:t>
-            </a:r>
-            <a:r>
-              <a:rPr lang="zh-CN" altLang="en-US" sz="1200" dirty="0"/>
-              <a:t>推断</a:t>
-            </a:r>
-          </a:p>
-        </p:txBody>
-      </p:sp>
-      <p:cxnSp>
-        <p:nvCxnSpPr>
-          <p:cNvPr id="13" name="直接箭头连接符 12">
-            <a:extLst>
-              <a:ext uri="{FF2B5EF4-FFF2-40B4-BE49-F238E27FC236}">
-                <a16:creationId xmlns:a16="http://schemas.microsoft.com/office/drawing/2014/main" id="{04FE0BCF-97D2-4B22-9F38-C2BD6BBA38FF}"/>
-              </a:ext>
-            </a:extLst>
-          </p:cNvPr>
-          <p:cNvCxnSpPr>
-            <a:stCxn id="7" idx="2"/>
-            <a:endCxn id="6" idx="0"/>
-          </p:cNvCxnSpPr>
-          <p:nvPr/>
-        </p:nvCxnSpPr>
-        <p:spPr>
-          <a:xfrm>
-            <a:off x="2323006" y="2898026"/>
-            <a:ext cx="0" cy="343841"/>
-          </a:xfrm>
-          <a:prstGeom prst="straightConnector1">
-            <a:avLst/>
-          </a:prstGeom>
-          <a:ln>
-            <a:tailEnd type="triangle"/>
-          </a:ln>
-        </p:spPr>
-        <p:style>
-          <a:lnRef idx="3">
-            <a:schemeClr val="dk1"/>
-          </a:lnRef>
-          <a:fillRef idx="0">
-            <a:schemeClr val="dk1"/>
-          </a:fillRef>
-          <a:effectRef idx="2">
-            <a:schemeClr val="dk1"/>
-          </a:effectRef>
-          <a:fontRef idx="minor">
-            <a:schemeClr val="tx1"/>
-          </a:fontRef>
-        </p:style>
-      </p:cxnSp>
-      <p:cxnSp>
-        <p:nvCxnSpPr>
-          <p:cNvPr id="14" name="直接箭头连接符 13">
-            <a:extLst>
-              <a:ext uri="{FF2B5EF4-FFF2-40B4-BE49-F238E27FC236}">
-                <a16:creationId xmlns:a16="http://schemas.microsoft.com/office/drawing/2014/main" id="{57E8F27C-B5B4-43F9-B5EC-595A34120E18}"/>
-              </a:ext>
-            </a:extLst>
-          </p:cNvPr>
-          <p:cNvCxnSpPr>
-            <a:cxnSpLocks/>
-            <a:stCxn id="6" idx="2"/>
-            <a:endCxn id="8" idx="0"/>
-          </p:cNvCxnSpPr>
-          <p:nvPr/>
-        </p:nvCxnSpPr>
-        <p:spPr>
-          <a:xfrm>
-            <a:off x="2323006" y="3961867"/>
-            <a:ext cx="0" cy="343841"/>
-          </a:xfrm>
-          <a:prstGeom prst="straightConnector1">
-            <a:avLst/>
-          </a:prstGeom>
-          <a:ln>
-            <a:tailEnd type="triangle"/>
-          </a:ln>
-        </p:spPr>
-        <p:style>
-          <a:lnRef idx="3">
-            <a:schemeClr val="dk1"/>
-          </a:lnRef>
-          <a:fillRef idx="0">
-            <a:schemeClr val="dk1"/>
-          </a:fillRef>
-          <a:effectRef idx="2">
-            <a:schemeClr val="dk1"/>
-          </a:effectRef>
-          <a:fontRef idx="minor">
-            <a:schemeClr val="tx1"/>
-          </a:fontRef>
-        </p:style>
-      </p:cxnSp>
-      <p:cxnSp>
-        <p:nvCxnSpPr>
-          <p:cNvPr id="17" name="直接箭头连接符 16">
-            <a:extLst>
-              <a:ext uri="{FF2B5EF4-FFF2-40B4-BE49-F238E27FC236}">
-                <a16:creationId xmlns:a16="http://schemas.microsoft.com/office/drawing/2014/main" id="{8478511B-AA44-4DE0-B605-55100C8CC0FC}"/>
-              </a:ext>
-            </a:extLst>
-          </p:cNvPr>
-          <p:cNvCxnSpPr>
-            <a:cxnSpLocks/>
-            <a:stCxn id="9" idx="2"/>
-            <a:endCxn id="10" idx="0"/>
-          </p:cNvCxnSpPr>
-          <p:nvPr/>
-        </p:nvCxnSpPr>
-        <p:spPr>
-          <a:xfrm flipH="1">
-            <a:off x="4224306" y="2898026"/>
-            <a:ext cx="1" cy="341195"/>
-          </a:xfrm>
-          <a:prstGeom prst="straightConnector1">
-            <a:avLst/>
-          </a:prstGeom>
-          <a:ln>
-            <a:tailEnd type="triangle"/>
-          </a:ln>
-        </p:spPr>
-        <p:style>
-          <a:lnRef idx="3">
-            <a:schemeClr val="dk1"/>
-          </a:lnRef>
-          <a:fillRef idx="0">
-            <a:schemeClr val="dk1"/>
-          </a:fillRef>
-          <a:effectRef idx="2">
-            <a:schemeClr val="dk1"/>
-          </a:effectRef>
-          <a:fontRef idx="minor">
-            <a:schemeClr val="tx1"/>
-          </a:fontRef>
-        </p:style>
-      </p:cxnSp>
-      <p:cxnSp>
-        <p:nvCxnSpPr>
-          <p:cNvPr id="20" name="直接箭头连接符 19">
-            <a:extLst>
-              <a:ext uri="{FF2B5EF4-FFF2-40B4-BE49-F238E27FC236}">
-                <a16:creationId xmlns:a16="http://schemas.microsoft.com/office/drawing/2014/main" id="{BC437E3D-CD0A-4345-B883-173AF4A49B6A}"/>
-              </a:ext>
-            </a:extLst>
-          </p:cNvPr>
-          <p:cNvCxnSpPr>
-            <a:cxnSpLocks/>
-            <a:stCxn id="10" idx="2"/>
-            <a:endCxn id="11" idx="0"/>
-          </p:cNvCxnSpPr>
-          <p:nvPr/>
-        </p:nvCxnSpPr>
-        <p:spPr>
-          <a:xfrm>
-            <a:off x="4224306" y="3959221"/>
-            <a:ext cx="0" cy="341195"/>
-          </a:xfrm>
-          <a:prstGeom prst="straightConnector1">
-            <a:avLst/>
-          </a:prstGeom>
-          <a:ln>
-            <a:tailEnd type="triangle"/>
-          </a:ln>
-        </p:spPr>
-        <p:style>
-          <a:lnRef idx="3">
-            <a:schemeClr val="dk1"/>
-          </a:lnRef>
-          <a:fillRef idx="0">
-            <a:schemeClr val="dk1"/>
-          </a:fillRef>
-          <a:effectRef idx="2">
-            <a:schemeClr val="dk1"/>
-          </a:effectRef>
-          <a:fontRef idx="minor">
-            <a:schemeClr val="tx1"/>
-          </a:fontRef>
-        </p:style>
-      </p:cxnSp>
-      <p:cxnSp>
-        <p:nvCxnSpPr>
-          <p:cNvPr id="25" name="连接符: 肘形 24">
-            <a:extLst>
-              <a:ext uri="{FF2B5EF4-FFF2-40B4-BE49-F238E27FC236}">
-                <a16:creationId xmlns:a16="http://schemas.microsoft.com/office/drawing/2014/main" id="{5746F904-D651-43BE-9224-5F5900867CBC}"/>
-              </a:ext>
-            </a:extLst>
-          </p:cNvPr>
-          <p:cNvCxnSpPr>
-            <a:cxnSpLocks/>
-            <a:stCxn id="8" idx="2"/>
-            <a:endCxn id="9" idx="0"/>
-          </p:cNvCxnSpPr>
-          <p:nvPr/>
-        </p:nvCxnSpPr>
-        <p:spPr>
-          <a:xfrm rot="5400000" flipH="1" flipV="1">
-            <a:off x="1849815" y="2651216"/>
-            <a:ext cx="2847682" cy="1901301"/>
-          </a:xfrm>
-          <a:prstGeom prst="bentConnector5">
-            <a:avLst>
-              <a:gd name="adj1" fmla="val -8028"/>
-              <a:gd name="adj2" fmla="val 50000"/>
-              <a:gd name="adj3" fmla="val 108028"/>
-            </a:avLst>
-          </a:prstGeom>
-          <a:ln>
-            <a:tailEnd type="triangle"/>
-          </a:ln>
-        </p:spPr>
-        <p:style>
-          <a:lnRef idx="3">
-            <a:schemeClr val="dk1"/>
-          </a:lnRef>
-          <a:fillRef idx="0">
-            <a:schemeClr val="dk1"/>
-          </a:fillRef>
-          <a:effectRef idx="2">
-            <a:schemeClr val="dk1"/>
-          </a:effectRef>
-          <a:fontRef idx="minor">
-            <a:schemeClr val="tx1"/>
-          </a:fontRef>
-        </p:style>
-      </p:cxnSp>
-      <p:cxnSp>
-        <p:nvCxnSpPr>
-          <p:cNvPr id="26" name="直接箭头连接符 25">
-            <a:extLst>
-              <a:ext uri="{FF2B5EF4-FFF2-40B4-BE49-F238E27FC236}">
-                <a16:creationId xmlns:a16="http://schemas.microsoft.com/office/drawing/2014/main" id="{F661FC1E-7471-476C-8653-27E0A9DBD57C}"/>
-              </a:ext>
-            </a:extLst>
-          </p:cNvPr>
-          <p:cNvCxnSpPr>
-            <a:cxnSpLocks/>
-            <a:stCxn id="28" idx="3"/>
-            <a:endCxn id="6" idx="1"/>
-          </p:cNvCxnSpPr>
-          <p:nvPr/>
-        </p:nvCxnSpPr>
-        <p:spPr>
-          <a:xfrm>
-            <a:off x="1432939" y="3601867"/>
-            <a:ext cx="350067" cy="0"/>
-          </a:xfrm>
-          <a:prstGeom prst="straightConnector1">
-            <a:avLst/>
-          </a:prstGeom>
-          <a:ln>
-            <a:solidFill>
-              <a:srgbClr val="FF0000"/>
-            </a:solidFill>
-            <a:prstDash val="dash"/>
-            <a:tailEnd type="triangle"/>
-          </a:ln>
-        </p:spPr>
-        <p:style>
-          <a:lnRef idx="3">
-            <a:schemeClr val="dk1"/>
-          </a:lnRef>
-          <a:fillRef idx="0">
-            <a:schemeClr val="dk1"/>
-          </a:fillRef>
-          <a:effectRef idx="2">
-            <a:schemeClr val="dk1"/>
-          </a:effectRef>
-          <a:fontRef idx="minor">
-            <a:schemeClr val="tx1"/>
-          </a:fontRef>
-        </p:style>
-      </p:cxnSp>
-      <p:sp>
-        <p:nvSpPr>
-          <p:cNvPr id="28" name="文本框 27">
-            <a:extLst>
-              <a:ext uri="{FF2B5EF4-FFF2-40B4-BE49-F238E27FC236}">
-                <a16:creationId xmlns:a16="http://schemas.microsoft.com/office/drawing/2014/main" id="{D23DA1EE-841D-4ADE-9D0E-A7FF27B08929}"/>
-              </a:ext>
-            </a:extLst>
-          </p:cNvPr>
-          <p:cNvSpPr txBox="1"/>
-          <p:nvPr/>
-        </p:nvSpPr>
-        <p:spPr>
-          <a:xfrm>
-            <a:off x="-96122" y="3186368"/>
-            <a:ext cx="1529061" cy="830997"/>
-          </a:xfrm>
-          <a:prstGeom prst="rect">
-            <a:avLst/>
-          </a:prstGeom>
-          <a:noFill/>
-        </p:spPr>
-        <p:txBody>
-          <a:bodyPr wrap="square">
-            <a:spAutoFit/>
-          </a:bodyPr>
-          <a:lstStyle/>
-          <a:p>
-            <a:pPr algn="ctr"/>
-            <a:r>
-              <a:rPr lang="en-US" altLang="zh-CN" sz="1200" dirty="0"/>
-              <a:t>Traceroute VP</a:t>
-            </a:r>
-            <a:r>
-              <a:rPr lang="zh-CN" altLang="en-US" sz="1200" dirty="0"/>
-              <a:t>数量有限，或者</a:t>
-            </a:r>
-            <a:r>
-              <a:rPr lang="en-US" altLang="zh-CN" sz="1200" dirty="0"/>
-              <a:t>VP</a:t>
-            </a:r>
-            <a:r>
-              <a:rPr lang="zh-CN" altLang="en-US" sz="1200" dirty="0"/>
-              <a:t>的位置对</a:t>
-            </a:r>
-            <a:r>
-              <a:rPr lang="en-US" altLang="zh-CN" sz="1200" dirty="0"/>
-              <a:t>traceroute</a:t>
-            </a:r>
-            <a:r>
-              <a:rPr lang="zh-CN" altLang="en-US" sz="1200" dirty="0"/>
-              <a:t>的数据收集造成了影响</a:t>
-            </a:r>
-          </a:p>
-        </p:txBody>
-      </p:sp>
-      <p:sp>
-        <p:nvSpPr>
-          <p:cNvPr id="33" name="文本框 32">
-            <a:extLst>
-              <a:ext uri="{FF2B5EF4-FFF2-40B4-BE49-F238E27FC236}">
-                <a16:creationId xmlns:a16="http://schemas.microsoft.com/office/drawing/2014/main" id="{68D7BE33-844C-4C1F-A8E4-CD31D79906D7}"/>
-              </a:ext>
-            </a:extLst>
-          </p:cNvPr>
-          <p:cNvSpPr txBox="1"/>
-          <p:nvPr/>
-        </p:nvSpPr>
-        <p:spPr>
-          <a:xfrm>
-            <a:off x="5204728" y="4429583"/>
-            <a:ext cx="1372339" cy="461665"/>
-          </a:xfrm>
-          <a:prstGeom prst="rect">
-            <a:avLst/>
-          </a:prstGeom>
-          <a:noFill/>
-        </p:spPr>
-        <p:txBody>
-          <a:bodyPr wrap="square">
-            <a:spAutoFit/>
-          </a:bodyPr>
-          <a:lstStyle/>
-          <a:p>
-            <a:pPr algn="ctr"/>
-            <a:r>
-              <a:rPr lang="zh-CN" altLang="en-US" sz="1200" dirty="0"/>
-              <a:t>推断启发式不严谨，经验性推断</a:t>
-            </a:r>
-          </a:p>
-        </p:txBody>
-      </p:sp>
-      <p:cxnSp>
-        <p:nvCxnSpPr>
-          <p:cNvPr id="35" name="直接箭头连接符 34">
-            <a:extLst>
-              <a:ext uri="{FF2B5EF4-FFF2-40B4-BE49-F238E27FC236}">
-                <a16:creationId xmlns:a16="http://schemas.microsoft.com/office/drawing/2014/main" id="{4CBB7A1C-A5B7-4A00-8A1C-7F4B7334AC0D}"/>
-              </a:ext>
-            </a:extLst>
-          </p:cNvPr>
-          <p:cNvCxnSpPr>
-            <a:cxnSpLocks/>
-            <a:stCxn id="33" idx="1"/>
-            <a:endCxn id="11" idx="3"/>
-          </p:cNvCxnSpPr>
-          <p:nvPr/>
-        </p:nvCxnSpPr>
-        <p:spPr>
-          <a:xfrm flipH="1">
-            <a:off x="4764306" y="4660416"/>
-            <a:ext cx="440422" cy="0"/>
-          </a:xfrm>
-          <a:prstGeom prst="straightConnector1">
-            <a:avLst/>
-          </a:prstGeom>
-          <a:ln>
-            <a:solidFill>
-              <a:srgbClr val="FF0000"/>
-            </a:solidFill>
-            <a:prstDash val="dash"/>
-            <a:tailEnd type="triangle"/>
-          </a:ln>
-        </p:spPr>
-        <p:style>
-          <a:lnRef idx="3">
-            <a:schemeClr val="dk1"/>
-          </a:lnRef>
-          <a:fillRef idx="0">
-            <a:schemeClr val="dk1"/>
-          </a:fillRef>
-          <a:effectRef idx="2">
-            <a:schemeClr val="dk1"/>
-          </a:effectRef>
-          <a:fontRef idx="minor">
-            <a:schemeClr val="tx1"/>
-          </a:fontRef>
-        </p:style>
-      </p:cxnSp>
-      <p:cxnSp>
-        <p:nvCxnSpPr>
-          <p:cNvPr id="38" name="直接箭头连接符 37">
-            <a:extLst>
-              <a:ext uri="{FF2B5EF4-FFF2-40B4-BE49-F238E27FC236}">
-                <a16:creationId xmlns:a16="http://schemas.microsoft.com/office/drawing/2014/main" id="{0556E677-6F0D-4BFF-924A-E7CBE7897431}"/>
-              </a:ext>
-            </a:extLst>
-          </p:cNvPr>
-          <p:cNvCxnSpPr>
-            <a:cxnSpLocks/>
-            <a:stCxn id="41" idx="1"/>
-            <a:endCxn id="9" idx="3"/>
-          </p:cNvCxnSpPr>
-          <p:nvPr/>
-        </p:nvCxnSpPr>
-        <p:spPr>
-          <a:xfrm flipH="1">
-            <a:off x="4764307" y="2538026"/>
-            <a:ext cx="281301" cy="0"/>
-          </a:xfrm>
-          <a:prstGeom prst="straightConnector1">
-            <a:avLst/>
-          </a:prstGeom>
-          <a:ln>
-            <a:solidFill>
-              <a:srgbClr val="FF0000"/>
-            </a:solidFill>
-            <a:prstDash val="dash"/>
-            <a:tailEnd type="triangle"/>
-          </a:ln>
-        </p:spPr>
-        <p:style>
-          <a:lnRef idx="3">
-            <a:schemeClr val="dk1"/>
-          </a:lnRef>
-          <a:fillRef idx="0">
-            <a:schemeClr val="dk1"/>
-          </a:fillRef>
-          <a:effectRef idx="2">
-            <a:schemeClr val="dk1"/>
-          </a:effectRef>
-          <a:fontRef idx="minor">
-            <a:schemeClr val="tx1"/>
-          </a:fontRef>
-        </p:style>
-      </p:cxnSp>
-      <p:sp>
-        <p:nvSpPr>
-          <p:cNvPr id="41" name="文本框 40">
-            <a:extLst>
-              <a:ext uri="{FF2B5EF4-FFF2-40B4-BE49-F238E27FC236}">
-                <a16:creationId xmlns:a16="http://schemas.microsoft.com/office/drawing/2014/main" id="{A64CAFCD-C061-424B-8FC6-E6EE49569F14}"/>
-              </a:ext>
-            </a:extLst>
-          </p:cNvPr>
-          <p:cNvSpPr txBox="1"/>
-          <p:nvPr/>
-        </p:nvSpPr>
-        <p:spPr>
-          <a:xfrm>
-            <a:off x="5045608" y="2399526"/>
-            <a:ext cx="1372339" cy="276999"/>
-          </a:xfrm>
-          <a:prstGeom prst="rect">
-            <a:avLst/>
-          </a:prstGeom>
-          <a:noFill/>
-        </p:spPr>
-        <p:txBody>
-          <a:bodyPr wrap="square">
-            <a:spAutoFit/>
-          </a:bodyPr>
-          <a:lstStyle/>
-          <a:p>
-            <a:pPr algn="ctr"/>
-            <a:r>
-              <a:rPr lang="zh-CN" altLang="en-US" sz="1200" dirty="0"/>
-              <a:t>别名解析错误</a:t>
+              <a:t>AS </a:t>
+            </a:r>
+            <a:r>
+              <a:rPr lang="zh-CN" altLang="en-US" dirty="0"/>
+              <a:t>将 </a:t>
+            </a:r>
+            <a:r>
+              <a:rPr lang="en-US" altLang="zh-CN" dirty="0"/>
+              <a:t>traceroute </a:t>
+            </a:r>
+            <a:r>
+              <a:rPr lang="zh-CN" altLang="en-US" dirty="0"/>
+              <a:t>跃点映射到 </a:t>
+            </a:r>
+            <a:r>
+              <a:rPr lang="en-US" altLang="zh-CN" dirty="0"/>
+              <a:t>AS </a:t>
+            </a:r>
+            <a:r>
+              <a:rPr lang="zh-CN" altLang="en-US" dirty="0"/>
+              <a:t>编号来计算 </a:t>
+            </a:r>
+            <a:r>
+              <a:rPr lang="en-US" altLang="zh-CN" dirty="0"/>
+              <a:t>AS </a:t>
+            </a:r>
+            <a:r>
+              <a:rPr lang="zh-CN" altLang="en-US" dirty="0"/>
+              <a:t>级别的 </a:t>
+            </a:r>
+            <a:r>
+              <a:rPr lang="en-US" altLang="zh-CN" dirty="0"/>
+              <a:t>traceroute </a:t>
+            </a:r>
+            <a:r>
+              <a:rPr lang="zh-CN" altLang="en-US" dirty="0"/>
+              <a:t>路径</a:t>
             </a:r>
           </a:p>
         </p:txBody>
@@ -10954,7 +12308,7 @@
     </p:spTree>
     <p:extLst>
       <p:ext uri="{BB962C8B-B14F-4D97-AF65-F5344CB8AC3E}">
-        <p14:creationId xmlns:p14="http://schemas.microsoft.com/office/powerpoint/2010/main" val="1106822605"/>
+        <p14:creationId xmlns:p14="http://schemas.microsoft.com/office/powerpoint/2010/main" val="1976400513"/>
       </p:ext>
     </p:extLst>
   </p:cSld>
